--- a/Slides/EmotionalRelease.pptx
+++ b/Slides/EmotionalRelease.pptx
@@ -4,31 +4,36 @@
   <p:sldMasterIdLst>
     <p:sldMasterId id="2147483648" r:id="rId1"/>
   </p:sldMasterIdLst>
+  <p:notesMasterIdLst>
+    <p:notesMasterId r:id="rId28"/>
+  </p:notesMasterIdLst>
   <p:sldIdLst>
     <p:sldId id="256" r:id="rId2"/>
-    <p:sldId id="277" r:id="rId3"/>
-    <p:sldId id="274" r:id="rId4"/>
-    <p:sldId id="275" r:id="rId5"/>
-    <p:sldId id="264" r:id="rId6"/>
-    <p:sldId id="258" r:id="rId7"/>
-    <p:sldId id="265" r:id="rId8"/>
-    <p:sldId id="271" r:id="rId9"/>
-    <p:sldId id="272" r:id="rId10"/>
-    <p:sldId id="266" r:id="rId11"/>
-    <p:sldId id="278" r:id="rId12"/>
-    <p:sldId id="257" r:id="rId13"/>
-    <p:sldId id="261" r:id="rId14"/>
-    <p:sldId id="259" r:id="rId15"/>
-    <p:sldId id="260" r:id="rId16"/>
-    <p:sldId id="267" r:id="rId17"/>
-    <p:sldId id="269" r:id="rId18"/>
-    <p:sldId id="280" r:id="rId19"/>
-    <p:sldId id="262" r:id="rId20"/>
-    <p:sldId id="281" r:id="rId21"/>
-    <p:sldId id="282" r:id="rId22"/>
-    <p:sldId id="268" r:id="rId23"/>
-    <p:sldId id="270" r:id="rId24"/>
-    <p:sldId id="276" r:id="rId25"/>
+    <p:sldId id="283" r:id="rId3"/>
+    <p:sldId id="277" r:id="rId4"/>
+    <p:sldId id="274" r:id="rId5"/>
+    <p:sldId id="275" r:id="rId6"/>
+    <p:sldId id="264" r:id="rId7"/>
+    <p:sldId id="258" r:id="rId8"/>
+    <p:sldId id="265" r:id="rId9"/>
+    <p:sldId id="271" r:id="rId10"/>
+    <p:sldId id="272" r:id="rId11"/>
+    <p:sldId id="266" r:id="rId12"/>
+    <p:sldId id="278" r:id="rId13"/>
+    <p:sldId id="257" r:id="rId14"/>
+    <p:sldId id="261" r:id="rId15"/>
+    <p:sldId id="259" r:id="rId16"/>
+    <p:sldId id="260" r:id="rId17"/>
+    <p:sldId id="267" r:id="rId18"/>
+    <p:sldId id="269" r:id="rId19"/>
+    <p:sldId id="280" r:id="rId20"/>
+    <p:sldId id="262" r:id="rId21"/>
+    <p:sldId id="281" r:id="rId22"/>
+    <p:sldId id="282" r:id="rId23"/>
+    <p:sldId id="268" r:id="rId24"/>
+    <p:sldId id="270" r:id="rId25"/>
+    <p:sldId id="276" r:id="rId26"/>
+    <p:sldId id="284" r:id="rId27"/>
   </p:sldIdLst>
   <p:sldSz cx="12192000" cy="6858000"/>
   <p:notesSz cx="6858000" cy="9144000"/>
@@ -133,6 +138,7 @@
         <p14:section name="Default Section" id="{CDE9B81E-EF4E-4FA4-BC21-70C3D7A0C7B4}">
           <p14:sldIdLst>
             <p14:sldId id="256"/>
+            <p14:sldId id="283"/>
             <p14:sldId id="277"/>
             <p14:sldId id="274"/>
             <p14:sldId id="275"/>
@@ -164,6 +170,7 @@
             <p14:sldId id="268"/>
             <p14:sldId id="270"/>
             <p14:sldId id="276"/>
+            <p14:sldId id="284"/>
           </p14:sldIdLst>
         </p14:section>
       </p14:sectionLst>
@@ -178,7 +185,7 @@
 <file path=ppt/revisionInfo.xml><?xml version="1.0" encoding="utf-8"?>
 <p1510:revInfo xmlns:a="http://schemas.openxmlformats.org/drawingml/2006/main" xmlns:r="http://schemas.openxmlformats.org/officeDocument/2006/relationships" xmlns:p1510="http://schemas.microsoft.com/office/powerpoint/2015/10/main">
   <p1510:revLst>
-    <p1510:client id="{C4EFC030-5D88-4DED-98C6-60B0CC444CF0}" v="388" dt="2024-11-22T17:21:21.277"/>
+    <p1510:client id="{C4EFC030-5D88-4DED-98C6-60B0CC444CF0}" v="391" dt="2024-11-27T18:56:50.406"/>
   </p1510:revLst>
 </p1510:revInfo>
 </file>
@@ -187,8 +194,8 @@
 <pc:chgInfo xmlns:a="http://schemas.openxmlformats.org/drawingml/2006/main" xmlns:r="http://schemas.openxmlformats.org/officeDocument/2006/relationships" xmlns:ac="http://schemas.microsoft.com/office/drawing/2013/main/command" xmlns:pc="http://schemas.microsoft.com/office/powerpoint/2013/main/command">
   <pc:docChgLst>
     <pc:chgData name="Lenides Dolaney" userId="0cf38a0f66cfb5dc" providerId="LiveId" clId="{C4EFC030-5D88-4DED-98C6-60B0CC444CF0}"/>
-    <pc:docChg chg="undo custSel addSld delSld modSld sldOrd addSection modSection">
-      <pc:chgData name="Lenides Dolaney" userId="0cf38a0f66cfb5dc" providerId="LiveId" clId="{C4EFC030-5D88-4DED-98C6-60B0CC444CF0}" dt="2024-11-22T17:21:35.286" v="1201" actId="20577"/>
+    <pc:docChg chg="undo redo custSel addSld delSld modSld sldOrd addSection modSection">
+      <pc:chgData name="Lenides Dolaney" userId="0cf38a0f66cfb5dc" providerId="LiveId" clId="{C4EFC030-5D88-4DED-98C6-60B0CC444CF0}" dt="2024-11-27T19:00:55.952" v="1308" actId="1076"/>
       <pc:docMkLst>
         <pc:docMk/>
       </pc:docMkLst>
@@ -1447,6 +1454,60 @@
             <ac:spMk id="5" creationId="{12370602-3030-30D8-80A2-B82AC3D90916}"/>
           </ac:spMkLst>
         </pc:spChg>
+      </pc:sldChg>
+      <pc:sldChg chg="addSp modSp new mod modNotesTx">
+        <pc:chgData name="Lenides Dolaney" userId="0cf38a0f66cfb5dc" providerId="LiveId" clId="{C4EFC030-5D88-4DED-98C6-60B0CC444CF0}" dt="2024-11-27T18:56:26.149" v="1294"/>
+        <pc:sldMkLst>
+          <pc:docMk/>
+          <pc:sldMk cId="2575075203" sldId="283"/>
+        </pc:sldMkLst>
+        <pc:spChg chg="mod">
+          <ac:chgData name="Lenides Dolaney" userId="0cf38a0f66cfb5dc" providerId="LiveId" clId="{C4EFC030-5D88-4DED-98C6-60B0CC444CF0}" dt="2024-11-27T18:53:38.823" v="1213" actId="20577"/>
+          <ac:spMkLst>
+            <pc:docMk/>
+            <pc:sldMk cId="2575075203" sldId="283"/>
+            <ac:spMk id="2" creationId="{DA99ED77-638B-5C15-5E2B-436A2F0CC396}"/>
+          </ac:spMkLst>
+        </pc:spChg>
+        <pc:spChg chg="add mod">
+          <ac:chgData name="Lenides Dolaney" userId="0cf38a0f66cfb5dc" providerId="LiveId" clId="{C4EFC030-5D88-4DED-98C6-60B0CC444CF0}" dt="2024-11-27T18:56:02.845" v="1237" actId="1076"/>
+          <ac:spMkLst>
+            <pc:docMk/>
+            <pc:sldMk cId="2575075203" sldId="283"/>
+            <ac:spMk id="5" creationId="{E12ABEB6-9C63-4632-91E3-176310023D93}"/>
+          </ac:spMkLst>
+        </pc:spChg>
+        <pc:picChg chg="add mod">
+          <ac:chgData name="Lenides Dolaney" userId="0cf38a0f66cfb5dc" providerId="LiveId" clId="{C4EFC030-5D88-4DED-98C6-60B0CC444CF0}" dt="2024-11-27T18:54:22.925" v="1217" actId="1076"/>
+          <ac:picMkLst>
+            <pc:docMk/>
+            <pc:sldMk cId="2575075203" sldId="283"/>
+            <ac:picMk id="4" creationId="{8BD5BA69-943E-F8E1-75EA-C25CFE113974}"/>
+          </ac:picMkLst>
+        </pc:picChg>
+      </pc:sldChg>
+      <pc:sldChg chg="addSp modSp add mod">
+        <pc:chgData name="Lenides Dolaney" userId="0cf38a0f66cfb5dc" providerId="LiveId" clId="{C4EFC030-5D88-4DED-98C6-60B0CC444CF0}" dt="2024-11-27T19:00:55.952" v="1308" actId="1076"/>
+        <pc:sldMkLst>
+          <pc:docMk/>
+          <pc:sldMk cId="504811462" sldId="284"/>
+        </pc:sldMkLst>
+        <pc:spChg chg="mod">
+          <ac:chgData name="Lenides Dolaney" userId="0cf38a0f66cfb5dc" providerId="LiveId" clId="{C4EFC030-5D88-4DED-98C6-60B0CC444CF0}" dt="2024-11-27T18:56:57.966" v="1304" actId="20577"/>
+          <ac:spMkLst>
+            <pc:docMk/>
+            <pc:sldMk cId="504811462" sldId="284"/>
+            <ac:spMk id="2" creationId="{0C03556A-DA8F-392C-5E85-70D419F9E361}"/>
+          </ac:spMkLst>
+        </pc:spChg>
+        <pc:picChg chg="add mod">
+          <ac:chgData name="Lenides Dolaney" userId="0cf38a0f66cfb5dc" providerId="LiveId" clId="{C4EFC030-5D88-4DED-98C6-60B0CC444CF0}" dt="2024-11-27T19:00:55.952" v="1308" actId="1076"/>
+          <ac:picMkLst>
+            <pc:docMk/>
+            <pc:sldMk cId="504811462" sldId="284"/>
+            <ac:picMk id="6" creationId="{C6FD3B1E-DAED-B5ED-7E8A-1FCC755AB698}"/>
+          </ac:picMkLst>
+        </pc:picChg>
       </pc:sldChg>
     </pc:docChg>
   </pc:docChgLst>
@@ -1881,6 +1942,553 @@
     </pc:docChg>
   </pc:docChgLst>
 </pc:chgInfo>
+</file>
+
+<file path=ppt/notesMasters/notesMaster1.xml><?xml version="1.0" encoding="utf-8"?>
+<p:notesMaster xmlns:a="http://schemas.openxmlformats.org/drawingml/2006/main" xmlns:r="http://schemas.openxmlformats.org/officeDocument/2006/relationships" xmlns:p="http://schemas.openxmlformats.org/presentationml/2006/main">
+  <p:cSld>
+    <p:bg>
+      <p:bgRef idx="1001">
+        <a:schemeClr val="bg1"/>
+      </p:bgRef>
+    </p:bg>
+    <p:spTree>
+      <p:nvGrpSpPr>
+        <p:cNvPr id="1" name=""/>
+        <p:cNvGrpSpPr/>
+        <p:nvPr/>
+      </p:nvGrpSpPr>
+      <p:grpSpPr>
+        <a:xfrm>
+          <a:off x="0" y="0"/>
+          <a:ext cx="0" cy="0"/>
+          <a:chOff x="0" y="0"/>
+          <a:chExt cx="0" cy="0"/>
+        </a:xfrm>
+      </p:grpSpPr>
+      <p:sp>
+        <p:nvSpPr>
+          <p:cNvPr id="2" name="Header Placeholder 1"/>
+          <p:cNvSpPr>
+            <a:spLocks noGrp="1"/>
+          </p:cNvSpPr>
+          <p:nvPr>
+            <p:ph type="hdr" sz="quarter"/>
+          </p:nvPr>
+        </p:nvSpPr>
+        <p:spPr>
+          <a:xfrm>
+            <a:off x="0" y="0"/>
+            <a:ext cx="2971800" cy="458788"/>
+          </a:xfrm>
+          <a:prstGeom prst="rect">
+            <a:avLst/>
+          </a:prstGeom>
+        </p:spPr>
+        <p:txBody>
+          <a:bodyPr vert="horz" lIns="91440" tIns="45720" rIns="91440" bIns="45720" rtlCol="0"/>
+          <a:lstStyle>
+            <a:lvl1pPr algn="l">
+              <a:defRPr sz="1200"/>
+            </a:lvl1pPr>
+          </a:lstStyle>
+          <a:p>
+            <a:endParaRPr lang="en-US"/>
+          </a:p>
+        </p:txBody>
+      </p:sp>
+      <p:sp>
+        <p:nvSpPr>
+          <p:cNvPr id="3" name="Date Placeholder 2"/>
+          <p:cNvSpPr>
+            <a:spLocks noGrp="1"/>
+          </p:cNvSpPr>
+          <p:nvPr>
+            <p:ph type="dt" idx="1"/>
+          </p:nvPr>
+        </p:nvSpPr>
+        <p:spPr>
+          <a:xfrm>
+            <a:off x="3884613" y="0"/>
+            <a:ext cx="2971800" cy="458788"/>
+          </a:xfrm>
+          <a:prstGeom prst="rect">
+            <a:avLst/>
+          </a:prstGeom>
+        </p:spPr>
+        <p:txBody>
+          <a:bodyPr vert="horz" lIns="91440" tIns="45720" rIns="91440" bIns="45720" rtlCol="0"/>
+          <a:lstStyle>
+            <a:lvl1pPr algn="r">
+              <a:defRPr sz="1200"/>
+            </a:lvl1pPr>
+          </a:lstStyle>
+          <a:p>
+            <a:fld id="{0655EDE1-0A36-45E2-993D-DDA0B978CAEB}" type="datetimeFigureOut">
+              <a:rPr lang="en-US" smtClean="0"/>
+              <a:t>11/27/2024</a:t>
+            </a:fld>
+            <a:endParaRPr lang="en-US"/>
+          </a:p>
+        </p:txBody>
+      </p:sp>
+      <p:sp>
+        <p:nvSpPr>
+          <p:cNvPr id="4" name="Slide Image Placeholder 3"/>
+          <p:cNvSpPr>
+            <a:spLocks noGrp="1" noRot="1" noChangeAspect="1"/>
+          </p:cNvSpPr>
+          <p:nvPr>
+            <p:ph type="sldImg" idx="2"/>
+          </p:nvPr>
+        </p:nvSpPr>
+        <p:spPr>
+          <a:xfrm>
+            <a:off x="685800" y="1143000"/>
+            <a:ext cx="5486400" cy="3086100"/>
+          </a:xfrm>
+          <a:prstGeom prst="rect">
+            <a:avLst/>
+          </a:prstGeom>
+          <a:noFill/>
+          <a:ln w="12700">
+            <a:solidFill>
+              <a:prstClr val="black"/>
+            </a:solidFill>
+          </a:ln>
+        </p:spPr>
+        <p:txBody>
+          <a:bodyPr vert="horz" lIns="91440" tIns="45720" rIns="91440" bIns="45720" rtlCol="0" anchor="ctr"/>
+          <a:lstStyle/>
+          <a:p>
+            <a:endParaRPr lang="en-US"/>
+          </a:p>
+        </p:txBody>
+      </p:sp>
+      <p:sp>
+        <p:nvSpPr>
+          <p:cNvPr id="5" name="Notes Placeholder 4"/>
+          <p:cNvSpPr>
+            <a:spLocks noGrp="1"/>
+          </p:cNvSpPr>
+          <p:nvPr>
+            <p:ph type="body" sz="quarter" idx="3"/>
+          </p:nvPr>
+        </p:nvSpPr>
+        <p:spPr>
+          <a:xfrm>
+            <a:off x="685800" y="4400550"/>
+            <a:ext cx="5486400" cy="3600450"/>
+          </a:xfrm>
+          <a:prstGeom prst="rect">
+            <a:avLst/>
+          </a:prstGeom>
+        </p:spPr>
+        <p:txBody>
+          <a:bodyPr vert="horz" lIns="91440" tIns="45720" rIns="91440" bIns="45720" rtlCol="0"/>
+          <a:lstStyle/>
+          <a:p>
+            <a:pPr lvl="0"/>
+            <a:r>
+              <a:rPr lang="en-US"/>
+              <a:t>Click to edit Master text styles</a:t>
+            </a:r>
+          </a:p>
+          <a:p>
+            <a:pPr lvl="1"/>
+            <a:r>
+              <a:rPr lang="en-US"/>
+              <a:t>Second level</a:t>
+            </a:r>
+          </a:p>
+          <a:p>
+            <a:pPr lvl="2"/>
+            <a:r>
+              <a:rPr lang="en-US"/>
+              <a:t>Third level</a:t>
+            </a:r>
+          </a:p>
+          <a:p>
+            <a:pPr lvl="3"/>
+            <a:r>
+              <a:rPr lang="en-US"/>
+              <a:t>Fourth level</a:t>
+            </a:r>
+          </a:p>
+          <a:p>
+            <a:pPr lvl="4"/>
+            <a:r>
+              <a:rPr lang="en-US"/>
+              <a:t>Fifth level</a:t>
+            </a:r>
+          </a:p>
+        </p:txBody>
+      </p:sp>
+      <p:sp>
+        <p:nvSpPr>
+          <p:cNvPr id="6" name="Footer Placeholder 5"/>
+          <p:cNvSpPr>
+            <a:spLocks noGrp="1"/>
+          </p:cNvSpPr>
+          <p:nvPr>
+            <p:ph type="ftr" sz="quarter" idx="4"/>
+          </p:nvPr>
+        </p:nvSpPr>
+        <p:spPr>
+          <a:xfrm>
+            <a:off x="0" y="8685213"/>
+            <a:ext cx="2971800" cy="458787"/>
+          </a:xfrm>
+          <a:prstGeom prst="rect">
+            <a:avLst/>
+          </a:prstGeom>
+        </p:spPr>
+        <p:txBody>
+          <a:bodyPr vert="horz" lIns="91440" tIns="45720" rIns="91440" bIns="45720" rtlCol="0" anchor="b"/>
+          <a:lstStyle>
+            <a:lvl1pPr algn="l">
+              <a:defRPr sz="1200"/>
+            </a:lvl1pPr>
+          </a:lstStyle>
+          <a:p>
+            <a:endParaRPr lang="en-US"/>
+          </a:p>
+        </p:txBody>
+      </p:sp>
+      <p:sp>
+        <p:nvSpPr>
+          <p:cNvPr id="7" name="Slide Number Placeholder 6"/>
+          <p:cNvSpPr>
+            <a:spLocks noGrp="1"/>
+          </p:cNvSpPr>
+          <p:nvPr>
+            <p:ph type="sldNum" sz="quarter" idx="5"/>
+          </p:nvPr>
+        </p:nvSpPr>
+        <p:spPr>
+          <a:xfrm>
+            <a:off x="3884613" y="8685213"/>
+            <a:ext cx="2971800" cy="458787"/>
+          </a:xfrm>
+          <a:prstGeom prst="rect">
+            <a:avLst/>
+          </a:prstGeom>
+        </p:spPr>
+        <p:txBody>
+          <a:bodyPr vert="horz" lIns="91440" tIns="45720" rIns="91440" bIns="45720" rtlCol="0" anchor="b"/>
+          <a:lstStyle>
+            <a:lvl1pPr algn="r">
+              <a:defRPr sz="1200"/>
+            </a:lvl1pPr>
+          </a:lstStyle>
+          <a:p>
+            <a:fld id="{A9994C2D-7D58-4993-B045-B145CFA77A88}" type="slidenum">
+              <a:rPr lang="en-US" smtClean="0"/>
+              <a:t>‹#›</a:t>
+            </a:fld>
+            <a:endParaRPr lang="en-US"/>
+          </a:p>
+        </p:txBody>
+      </p:sp>
+    </p:spTree>
+    <p:extLst>
+      <p:ext uri="{BB962C8B-B14F-4D97-AF65-F5344CB8AC3E}">
+        <p14:creationId xmlns:p14="http://schemas.microsoft.com/office/powerpoint/2010/main" val="2579425852"/>
+      </p:ext>
+    </p:extLst>
+  </p:cSld>
+  <p:clrMap bg1="lt1" tx1="dk1" bg2="lt2" tx2="dk2" accent1="accent1" accent2="accent2" accent3="accent3" accent4="accent4" accent5="accent5" accent6="accent6" hlink="hlink" folHlink="folHlink"/>
+  <p:notesStyle>
+    <a:lvl1pPr marL="0" algn="l" defTabSz="914400" rtl="0" eaLnBrk="1" latinLnBrk="0" hangingPunct="1">
+      <a:defRPr sz="1200" kern="1200">
+        <a:solidFill>
+          <a:schemeClr val="tx1"/>
+        </a:solidFill>
+        <a:latin typeface="+mn-lt"/>
+        <a:ea typeface="+mn-ea"/>
+        <a:cs typeface="+mn-cs"/>
+      </a:defRPr>
+    </a:lvl1pPr>
+    <a:lvl2pPr marL="457200" algn="l" defTabSz="914400" rtl="0" eaLnBrk="1" latinLnBrk="0" hangingPunct="1">
+      <a:defRPr sz="1200" kern="1200">
+        <a:solidFill>
+          <a:schemeClr val="tx1"/>
+        </a:solidFill>
+        <a:latin typeface="+mn-lt"/>
+        <a:ea typeface="+mn-ea"/>
+        <a:cs typeface="+mn-cs"/>
+      </a:defRPr>
+    </a:lvl2pPr>
+    <a:lvl3pPr marL="914400" algn="l" defTabSz="914400" rtl="0" eaLnBrk="1" latinLnBrk="0" hangingPunct="1">
+      <a:defRPr sz="1200" kern="1200">
+        <a:solidFill>
+          <a:schemeClr val="tx1"/>
+        </a:solidFill>
+        <a:latin typeface="+mn-lt"/>
+        <a:ea typeface="+mn-ea"/>
+        <a:cs typeface="+mn-cs"/>
+      </a:defRPr>
+    </a:lvl3pPr>
+    <a:lvl4pPr marL="1371600" algn="l" defTabSz="914400" rtl="0" eaLnBrk="1" latinLnBrk="0" hangingPunct="1">
+      <a:defRPr sz="1200" kern="1200">
+        <a:solidFill>
+          <a:schemeClr val="tx1"/>
+        </a:solidFill>
+        <a:latin typeface="+mn-lt"/>
+        <a:ea typeface="+mn-ea"/>
+        <a:cs typeface="+mn-cs"/>
+      </a:defRPr>
+    </a:lvl4pPr>
+    <a:lvl5pPr marL="1828800" algn="l" defTabSz="914400" rtl="0" eaLnBrk="1" latinLnBrk="0" hangingPunct="1">
+      <a:defRPr sz="1200" kern="1200">
+        <a:solidFill>
+          <a:schemeClr val="tx1"/>
+        </a:solidFill>
+        <a:latin typeface="+mn-lt"/>
+        <a:ea typeface="+mn-ea"/>
+        <a:cs typeface="+mn-cs"/>
+      </a:defRPr>
+    </a:lvl5pPr>
+    <a:lvl6pPr marL="2286000" algn="l" defTabSz="914400" rtl="0" eaLnBrk="1" latinLnBrk="0" hangingPunct="1">
+      <a:defRPr sz="1200" kern="1200">
+        <a:solidFill>
+          <a:schemeClr val="tx1"/>
+        </a:solidFill>
+        <a:latin typeface="+mn-lt"/>
+        <a:ea typeface="+mn-ea"/>
+        <a:cs typeface="+mn-cs"/>
+      </a:defRPr>
+    </a:lvl6pPr>
+    <a:lvl7pPr marL="2743200" algn="l" defTabSz="914400" rtl="0" eaLnBrk="1" latinLnBrk="0" hangingPunct="1">
+      <a:defRPr sz="1200" kern="1200">
+        <a:solidFill>
+          <a:schemeClr val="tx1"/>
+        </a:solidFill>
+        <a:latin typeface="+mn-lt"/>
+        <a:ea typeface="+mn-ea"/>
+        <a:cs typeface="+mn-cs"/>
+      </a:defRPr>
+    </a:lvl7pPr>
+    <a:lvl8pPr marL="3200400" algn="l" defTabSz="914400" rtl="0" eaLnBrk="1" latinLnBrk="0" hangingPunct="1">
+      <a:defRPr sz="1200" kern="1200">
+        <a:solidFill>
+          <a:schemeClr val="tx1"/>
+        </a:solidFill>
+        <a:latin typeface="+mn-lt"/>
+        <a:ea typeface="+mn-ea"/>
+        <a:cs typeface="+mn-cs"/>
+      </a:defRPr>
+    </a:lvl8pPr>
+    <a:lvl9pPr marL="3657600" algn="l" defTabSz="914400" rtl="0" eaLnBrk="1" latinLnBrk="0" hangingPunct="1">
+      <a:defRPr sz="1200" kern="1200">
+        <a:solidFill>
+          <a:schemeClr val="tx1"/>
+        </a:solidFill>
+        <a:latin typeface="+mn-lt"/>
+        <a:ea typeface="+mn-ea"/>
+        <a:cs typeface="+mn-cs"/>
+      </a:defRPr>
+    </a:lvl9pPr>
+  </p:notesStyle>
+</p:notesMaster>
+</file>
+
+<file path=ppt/notesSlides/notesSlide1.xml><?xml version="1.0" encoding="utf-8"?>
+<p:notes xmlns:a="http://schemas.openxmlformats.org/drawingml/2006/main" xmlns:r="http://schemas.openxmlformats.org/officeDocument/2006/relationships" xmlns:p="http://schemas.openxmlformats.org/presentationml/2006/main">
+  <p:cSld>
+    <p:spTree>
+      <p:nvGrpSpPr>
+        <p:cNvPr id="1" name=""/>
+        <p:cNvGrpSpPr/>
+        <p:nvPr/>
+      </p:nvGrpSpPr>
+      <p:grpSpPr>
+        <a:xfrm>
+          <a:off x="0" y="0"/>
+          <a:ext cx="0" cy="0"/>
+          <a:chOff x="0" y="0"/>
+          <a:chExt cx="0" cy="0"/>
+        </a:xfrm>
+      </p:grpSpPr>
+      <p:sp>
+        <p:nvSpPr>
+          <p:cNvPr id="2" name="Slide Image Placeholder 1"/>
+          <p:cNvSpPr>
+            <a:spLocks noGrp="1" noRot="1" noChangeAspect="1"/>
+          </p:cNvSpPr>
+          <p:nvPr>
+            <p:ph type="sldImg"/>
+          </p:nvPr>
+        </p:nvSpPr>
+        <p:spPr/>
+      </p:sp>
+      <p:sp>
+        <p:nvSpPr>
+          <p:cNvPr id="3" name="Notes Placeholder 2"/>
+          <p:cNvSpPr>
+            <a:spLocks noGrp="1"/>
+          </p:cNvSpPr>
+          <p:nvPr>
+            <p:ph type="body" idx="1"/>
+          </p:nvPr>
+        </p:nvSpPr>
+        <p:spPr/>
+        <p:txBody>
+          <a:bodyPr/>
+          <a:lstStyle/>
+          <a:p>
+            <a:r>
+              <a:rPr lang="en-US" dirty="0"/>
+              <a:t>https://github.com/DancinFosse/Talks/blob/main/emotional_release.md</a:t>
+            </a:r>
+          </a:p>
+        </p:txBody>
+      </p:sp>
+      <p:sp>
+        <p:nvSpPr>
+          <p:cNvPr id="4" name="Slide Number Placeholder 3"/>
+          <p:cNvSpPr>
+            <a:spLocks noGrp="1"/>
+          </p:cNvSpPr>
+          <p:nvPr>
+            <p:ph type="sldNum" sz="quarter" idx="5"/>
+          </p:nvPr>
+        </p:nvSpPr>
+        <p:spPr/>
+        <p:txBody>
+          <a:bodyPr/>
+          <a:lstStyle/>
+          <a:p>
+            <a:fld id="{A9994C2D-7D58-4993-B045-B145CFA77A88}" type="slidenum">
+              <a:rPr lang="en-US" smtClean="0"/>
+              <a:t>2</a:t>
+            </a:fld>
+            <a:endParaRPr lang="en-US"/>
+          </a:p>
+        </p:txBody>
+      </p:sp>
+    </p:spTree>
+    <p:extLst>
+      <p:ext uri="{BB962C8B-B14F-4D97-AF65-F5344CB8AC3E}">
+        <p14:creationId xmlns:p14="http://schemas.microsoft.com/office/powerpoint/2010/main" val="2867467212"/>
+      </p:ext>
+    </p:extLst>
+  </p:cSld>
+  <p:clrMapOvr>
+    <a:masterClrMapping/>
+  </p:clrMapOvr>
+</p:notes>
+</file>
+
+<file path=ppt/notesSlides/notesSlide2.xml><?xml version="1.0" encoding="utf-8"?>
+<p:notes xmlns:a="http://schemas.openxmlformats.org/drawingml/2006/main" xmlns:r="http://schemas.openxmlformats.org/officeDocument/2006/relationships" xmlns:p="http://schemas.openxmlformats.org/presentationml/2006/main">
+  <p:cSld>
+    <p:spTree>
+      <p:nvGrpSpPr>
+        <p:cNvPr id="1" name="">
+          <a:extLst>
+            <a:ext uri="{FF2B5EF4-FFF2-40B4-BE49-F238E27FC236}">
+              <a16:creationId xmlns:a16="http://schemas.microsoft.com/office/drawing/2014/main" id="{84F9B9B5-F25B-3D1C-2CCE-E44ECF05DA93}"/>
+            </a:ext>
+          </a:extLst>
+        </p:cNvPr>
+        <p:cNvGrpSpPr/>
+        <p:nvPr/>
+      </p:nvGrpSpPr>
+      <p:grpSpPr>
+        <a:xfrm>
+          <a:off x="0" y="0"/>
+          <a:ext cx="0" cy="0"/>
+          <a:chOff x="0" y="0"/>
+          <a:chExt cx="0" cy="0"/>
+        </a:xfrm>
+      </p:grpSpPr>
+      <p:sp>
+        <p:nvSpPr>
+          <p:cNvPr id="2" name="Slide Image Placeholder 1">
+            <a:extLst>
+              <a:ext uri="{FF2B5EF4-FFF2-40B4-BE49-F238E27FC236}">
+                <a16:creationId xmlns:a16="http://schemas.microsoft.com/office/drawing/2014/main" id="{052BB74D-C5A0-6209-E1F6-76E3BCE96A7E}"/>
+              </a:ext>
+            </a:extLst>
+          </p:cNvPr>
+          <p:cNvSpPr>
+            <a:spLocks noGrp="1" noRot="1" noChangeAspect="1"/>
+          </p:cNvSpPr>
+          <p:nvPr>
+            <p:ph type="sldImg"/>
+          </p:nvPr>
+        </p:nvSpPr>
+        <p:spPr/>
+      </p:sp>
+      <p:sp>
+        <p:nvSpPr>
+          <p:cNvPr id="3" name="Notes Placeholder 2">
+            <a:extLst>
+              <a:ext uri="{FF2B5EF4-FFF2-40B4-BE49-F238E27FC236}">
+                <a16:creationId xmlns:a16="http://schemas.microsoft.com/office/drawing/2014/main" id="{4CA00395-E9DB-5C96-417D-5D660CAFCB2E}"/>
+              </a:ext>
+            </a:extLst>
+          </p:cNvPr>
+          <p:cNvSpPr>
+            <a:spLocks noGrp="1"/>
+          </p:cNvSpPr>
+          <p:nvPr>
+            <p:ph type="body" idx="1"/>
+          </p:nvPr>
+        </p:nvSpPr>
+        <p:spPr/>
+        <p:txBody>
+          <a:bodyPr/>
+          <a:lstStyle/>
+          <a:p>
+            <a:r>
+              <a:rPr lang="en-US" dirty="0"/>
+              <a:t>https://github.com/DancinFosse/Talks/blob/main/emotional_release.md</a:t>
+            </a:r>
+          </a:p>
+        </p:txBody>
+      </p:sp>
+      <p:sp>
+        <p:nvSpPr>
+          <p:cNvPr id="4" name="Slide Number Placeholder 3">
+            <a:extLst>
+              <a:ext uri="{FF2B5EF4-FFF2-40B4-BE49-F238E27FC236}">
+                <a16:creationId xmlns:a16="http://schemas.microsoft.com/office/drawing/2014/main" id="{0FB49529-49CE-4925-21C7-2BDDC607A1A8}"/>
+              </a:ext>
+            </a:extLst>
+          </p:cNvPr>
+          <p:cNvSpPr>
+            <a:spLocks noGrp="1"/>
+          </p:cNvSpPr>
+          <p:nvPr>
+            <p:ph type="sldNum" sz="quarter" idx="5"/>
+          </p:nvPr>
+        </p:nvSpPr>
+        <p:spPr/>
+        <p:txBody>
+          <a:bodyPr/>
+          <a:lstStyle/>
+          <a:p>
+            <a:fld id="{A9994C2D-7D58-4993-B045-B145CFA77A88}" type="slidenum">
+              <a:rPr lang="en-US" smtClean="0"/>
+              <a:t>26</a:t>
+            </a:fld>
+            <a:endParaRPr lang="en-US"/>
+          </a:p>
+        </p:txBody>
+      </p:sp>
+    </p:spTree>
+    <p:extLst>
+      <p:ext uri="{BB962C8B-B14F-4D97-AF65-F5344CB8AC3E}">
+        <p14:creationId xmlns:p14="http://schemas.microsoft.com/office/powerpoint/2010/main" val="3429789883"/>
+      </p:ext>
+    </p:extLst>
+  </p:cSld>
+  <p:clrMapOvr>
+    <a:masterClrMapping/>
+  </p:clrMapOvr>
+</p:notes>
 </file>
 
 <file path=ppt/slideLayouts/slideLayout1.xml><?xml version="1.0" encoding="utf-8"?>
@@ -2030,7 +2638,7 @@
           <a:p>
             <a:fld id="{4D6E6E06-52D5-4EB8-BAAC-D5FF37C1ADF9}" type="datetimeFigureOut">
               <a:rPr lang="en-US" smtClean="0"/>
-              <a:t>11/22/2024</a:t>
+              <a:t>11/27/2024</a:t>
             </a:fld>
             <a:endParaRPr lang="en-US"/>
           </a:p>
@@ -2228,7 +2836,7 @@
           <a:p>
             <a:fld id="{4D6E6E06-52D5-4EB8-BAAC-D5FF37C1ADF9}" type="datetimeFigureOut">
               <a:rPr lang="en-US" smtClean="0"/>
-              <a:t>11/22/2024</a:t>
+              <a:t>11/27/2024</a:t>
             </a:fld>
             <a:endParaRPr lang="en-US"/>
           </a:p>
@@ -2436,7 +3044,7 @@
           <a:p>
             <a:fld id="{4D6E6E06-52D5-4EB8-BAAC-D5FF37C1ADF9}" type="datetimeFigureOut">
               <a:rPr lang="en-US" smtClean="0"/>
-              <a:t>11/22/2024</a:t>
+              <a:t>11/27/2024</a:t>
             </a:fld>
             <a:endParaRPr lang="en-US"/>
           </a:p>
@@ -2634,7 +3242,7 @@
           <a:p>
             <a:fld id="{4D6E6E06-52D5-4EB8-BAAC-D5FF37C1ADF9}" type="datetimeFigureOut">
               <a:rPr lang="en-US" smtClean="0"/>
-              <a:t>11/22/2024</a:t>
+              <a:t>11/27/2024</a:t>
             </a:fld>
             <a:endParaRPr lang="en-US"/>
           </a:p>
@@ -2909,7 +3517,7 @@
           <a:p>
             <a:fld id="{4D6E6E06-52D5-4EB8-BAAC-D5FF37C1ADF9}" type="datetimeFigureOut">
               <a:rPr lang="en-US" smtClean="0"/>
-              <a:t>11/22/2024</a:t>
+              <a:t>11/27/2024</a:t>
             </a:fld>
             <a:endParaRPr lang="en-US"/>
           </a:p>
@@ -3174,7 +3782,7 @@
           <a:p>
             <a:fld id="{4D6E6E06-52D5-4EB8-BAAC-D5FF37C1ADF9}" type="datetimeFigureOut">
               <a:rPr lang="en-US" smtClean="0"/>
-              <a:t>11/22/2024</a:t>
+              <a:t>11/27/2024</a:t>
             </a:fld>
             <a:endParaRPr lang="en-US"/>
           </a:p>
@@ -3586,7 +4194,7 @@
           <a:p>
             <a:fld id="{4D6E6E06-52D5-4EB8-BAAC-D5FF37C1ADF9}" type="datetimeFigureOut">
               <a:rPr lang="en-US" smtClean="0"/>
-              <a:t>11/22/2024</a:t>
+              <a:t>11/27/2024</a:t>
             </a:fld>
             <a:endParaRPr lang="en-US"/>
           </a:p>
@@ -3727,7 +4335,7 @@
           <a:p>
             <a:fld id="{4D6E6E06-52D5-4EB8-BAAC-D5FF37C1ADF9}" type="datetimeFigureOut">
               <a:rPr lang="en-US" smtClean="0"/>
-              <a:t>11/22/2024</a:t>
+              <a:t>11/27/2024</a:t>
             </a:fld>
             <a:endParaRPr lang="en-US"/>
           </a:p>
@@ -3840,7 +4448,7 @@
           <a:p>
             <a:fld id="{4D6E6E06-52D5-4EB8-BAAC-D5FF37C1ADF9}" type="datetimeFigureOut">
               <a:rPr lang="en-US" smtClean="0"/>
-              <a:t>11/22/2024</a:t>
+              <a:t>11/27/2024</a:t>
             </a:fld>
             <a:endParaRPr lang="en-US"/>
           </a:p>
@@ -4151,7 +4759,7 @@
           <a:p>
             <a:fld id="{4D6E6E06-52D5-4EB8-BAAC-D5FF37C1ADF9}" type="datetimeFigureOut">
               <a:rPr lang="en-US" smtClean="0"/>
-              <a:t>11/22/2024</a:t>
+              <a:t>11/27/2024</a:t>
             </a:fld>
             <a:endParaRPr lang="en-US"/>
           </a:p>
@@ -4439,7 +5047,7 @@
           <a:p>
             <a:fld id="{4D6E6E06-52D5-4EB8-BAAC-D5FF37C1ADF9}" type="datetimeFigureOut">
               <a:rPr lang="en-US" smtClean="0"/>
-              <a:t>11/22/2024</a:t>
+              <a:t>11/27/2024</a:t>
             </a:fld>
             <a:endParaRPr lang="en-US"/>
           </a:p>
@@ -4680,7 +5288,7 @@
           <a:p>
             <a:fld id="{4D6E6E06-52D5-4EB8-BAAC-D5FF37C1ADF9}" type="datetimeFigureOut">
               <a:rPr lang="en-US" smtClean="0"/>
-              <a:t>11/22/2024</a:t>
+              <a:t>11/27/2024</a:t>
             </a:fld>
             <a:endParaRPr lang="en-US"/>
           </a:p>
@@ -5171,6 +5779,108 @@
   <p:cSld>
     <p:spTree>
       <p:nvGrpSpPr>
+        <p:cNvPr id="1" name="">
+          <a:extLst>
+            <a:ext uri="{FF2B5EF4-FFF2-40B4-BE49-F238E27FC236}">
+              <a16:creationId xmlns:a16="http://schemas.microsoft.com/office/drawing/2014/main" id="{58A9E9C0-96C8-A5B2-825E-EDD408FAFD3A}"/>
+            </a:ext>
+          </a:extLst>
+        </p:cNvPr>
+        <p:cNvGrpSpPr/>
+        <p:nvPr/>
+      </p:nvGrpSpPr>
+      <p:grpSpPr>
+        <a:xfrm>
+          <a:off x="0" y="0"/>
+          <a:ext cx="0" cy="0"/>
+          <a:chOff x="0" y="0"/>
+          <a:chExt cx="0" cy="0"/>
+        </a:xfrm>
+      </p:grpSpPr>
+      <p:sp>
+        <p:nvSpPr>
+          <p:cNvPr id="2" name="Title 1">
+            <a:extLst>
+              <a:ext uri="{FF2B5EF4-FFF2-40B4-BE49-F238E27FC236}">
+                <a16:creationId xmlns:a16="http://schemas.microsoft.com/office/drawing/2014/main" id="{A36CDDDD-C72D-52D4-8927-B596F6FBA3BB}"/>
+              </a:ext>
+            </a:extLst>
+          </p:cNvPr>
+          <p:cNvSpPr>
+            <a:spLocks noGrp="1"/>
+          </p:cNvSpPr>
+          <p:nvPr>
+            <p:ph type="title"/>
+          </p:nvPr>
+        </p:nvSpPr>
+        <p:spPr/>
+        <p:txBody>
+          <a:bodyPr/>
+          <a:lstStyle/>
+          <a:p>
+            <a:r>
+              <a:rPr lang="en-US" dirty="0"/>
+              <a:t>Hand</a:t>
+            </a:r>
+            <a:r>
+              <a:rPr lang="en-US" baseline="0" dirty="0"/>
+              <a:t> Scream and Foot Stomping</a:t>
+            </a:r>
+            <a:endParaRPr lang="en-US" dirty="0"/>
+          </a:p>
+        </p:txBody>
+      </p:sp>
+      <p:sp>
+        <p:nvSpPr>
+          <p:cNvPr id="4" name="Text Placeholder 2">
+            <a:extLst>
+              <a:ext uri="{FF2B5EF4-FFF2-40B4-BE49-F238E27FC236}">
+                <a16:creationId xmlns:a16="http://schemas.microsoft.com/office/drawing/2014/main" id="{A47CE05C-6E15-40A3-1907-6FC46945B5F3}"/>
+              </a:ext>
+            </a:extLst>
+          </p:cNvPr>
+          <p:cNvSpPr>
+            <a:spLocks noGrp="1"/>
+          </p:cNvSpPr>
+          <p:nvPr>
+            <p:ph type="body" idx="1"/>
+          </p:nvPr>
+        </p:nvSpPr>
+        <p:spPr>
+          <a:xfrm>
+            <a:off x="844550" y="3429000"/>
+            <a:ext cx="10515600" cy="1500187"/>
+          </a:xfrm>
+        </p:spPr>
+        <p:txBody>
+          <a:bodyPr/>
+          <a:lstStyle/>
+          <a:p>
+            <a:r>
+              <a:rPr lang="en-US" dirty="0"/>
+              <a:t>Bonus Technique</a:t>
+            </a:r>
+          </a:p>
+        </p:txBody>
+      </p:sp>
+    </p:spTree>
+    <p:extLst>
+      <p:ext uri="{BB962C8B-B14F-4D97-AF65-F5344CB8AC3E}">
+        <p14:creationId xmlns:p14="http://schemas.microsoft.com/office/powerpoint/2010/main" val="4104803932"/>
+      </p:ext>
+    </p:extLst>
+  </p:cSld>
+  <p:clrMapOvr>
+    <a:masterClrMapping/>
+  </p:clrMapOvr>
+</p:sld>
+</file>
+
+<file path=ppt/slides/slide11.xml><?xml version="1.0" encoding="utf-8"?>
+<p:sld xmlns:a="http://schemas.openxmlformats.org/drawingml/2006/main" xmlns:r="http://schemas.openxmlformats.org/officeDocument/2006/relationships" xmlns:p="http://schemas.openxmlformats.org/presentationml/2006/main">
+  <p:cSld>
+    <p:spTree>
+      <p:nvGrpSpPr>
         <p:cNvPr id="1" name=""/>
         <p:cNvGrpSpPr/>
         <p:nvPr/>
@@ -5956,7 +6666,7 @@
 </p:sld>
 </file>
 
-<file path=ppt/slides/slide11.xml><?xml version="1.0" encoding="utf-8"?>
+<file path=ppt/slides/slide12.xml><?xml version="1.0" encoding="utf-8"?>
 <p:sld xmlns:a="http://schemas.openxmlformats.org/drawingml/2006/main" xmlns:r="http://schemas.openxmlformats.org/officeDocument/2006/relationships" xmlns:p="http://schemas.openxmlformats.org/presentationml/2006/main">
   <p:cSld>
     <p:spTree>
@@ -6327,7 +7037,7 @@
 </p:sld>
 </file>
 
-<file path=ppt/slides/slide12.xml><?xml version="1.0" encoding="utf-8"?>
+<file path=ppt/slides/slide13.xml><?xml version="1.0" encoding="utf-8"?>
 <p:sld xmlns:a="http://schemas.openxmlformats.org/drawingml/2006/main" xmlns:r="http://schemas.openxmlformats.org/officeDocument/2006/relationships" xmlns:p="http://schemas.openxmlformats.org/presentationml/2006/main">
   <p:cSld>
     <p:spTree>
@@ -6817,7 +7527,7 @@
 </p:sld>
 </file>
 
-<file path=ppt/slides/slide13.xml><?xml version="1.0" encoding="utf-8"?>
+<file path=ppt/slides/slide14.xml><?xml version="1.0" encoding="utf-8"?>
 <p:sld xmlns:a="http://schemas.openxmlformats.org/drawingml/2006/main" xmlns:r="http://schemas.openxmlformats.org/officeDocument/2006/relationships" xmlns:p="http://schemas.openxmlformats.org/presentationml/2006/main">
   <p:cSld>
     <p:spTree>
@@ -7418,89 +8128,6 @@
 </p:sld>
 </file>
 
-<file path=ppt/slides/slide14.xml><?xml version="1.0" encoding="utf-8"?>
-<p:sld xmlns:a="http://schemas.openxmlformats.org/drawingml/2006/main" xmlns:r="http://schemas.openxmlformats.org/officeDocument/2006/relationships" xmlns:p="http://schemas.openxmlformats.org/presentationml/2006/main">
-  <p:cSld>
-    <p:spTree>
-      <p:nvGrpSpPr>
-        <p:cNvPr id="1" name=""/>
-        <p:cNvGrpSpPr/>
-        <p:nvPr/>
-      </p:nvGrpSpPr>
-      <p:grpSpPr>
-        <a:xfrm>
-          <a:off x="0" y="0"/>
-          <a:ext cx="0" cy="0"/>
-          <a:chOff x="0" y="0"/>
-          <a:chExt cx="0" cy="0"/>
-        </a:xfrm>
-      </p:grpSpPr>
-      <p:sp>
-        <p:nvSpPr>
-          <p:cNvPr id="2" name="Title 1">
-            <a:extLst>
-              <a:ext uri="{FF2B5EF4-FFF2-40B4-BE49-F238E27FC236}">
-                <a16:creationId xmlns:a16="http://schemas.microsoft.com/office/drawing/2014/main" id="{6A9F1D60-DA2E-604D-7CAA-0192699B1822}"/>
-              </a:ext>
-            </a:extLst>
-          </p:cNvPr>
-          <p:cNvSpPr>
-            <a:spLocks noGrp="1"/>
-          </p:cNvSpPr>
-          <p:nvPr>
-            <p:ph type="title"/>
-          </p:nvPr>
-        </p:nvSpPr>
-        <p:spPr/>
-        <p:txBody>
-          <a:bodyPr/>
-          <a:lstStyle/>
-          <a:p>
-            <a:r>
-              <a:rPr lang="en-US" dirty="0"/>
-              <a:t>Strike</a:t>
-            </a:r>
-          </a:p>
-        </p:txBody>
-      </p:sp>
-      <p:sp>
-        <p:nvSpPr>
-          <p:cNvPr id="3" name="Text Placeholder 2">
-            <a:extLst>
-              <a:ext uri="{FF2B5EF4-FFF2-40B4-BE49-F238E27FC236}">
-                <a16:creationId xmlns:a16="http://schemas.microsoft.com/office/drawing/2014/main" id="{7B6E1209-3924-70A2-E70F-E6EAFA6DE23E}"/>
-              </a:ext>
-            </a:extLst>
-          </p:cNvPr>
-          <p:cNvSpPr>
-            <a:spLocks noGrp="1"/>
-          </p:cNvSpPr>
-          <p:nvPr>
-            <p:ph type="body" idx="1"/>
-          </p:nvPr>
-        </p:nvSpPr>
-        <p:spPr/>
-        <p:txBody>
-          <a:bodyPr/>
-          <a:lstStyle/>
-          <a:p>
-            <a:endParaRPr lang="en-US"/>
-          </a:p>
-        </p:txBody>
-      </p:sp>
-    </p:spTree>
-    <p:extLst>
-      <p:ext uri="{BB962C8B-B14F-4D97-AF65-F5344CB8AC3E}">
-        <p14:creationId xmlns:p14="http://schemas.microsoft.com/office/powerpoint/2010/main" val="1046597095"/>
-      </p:ext>
-    </p:extLst>
-  </p:cSld>
-  <p:clrMapOvr>
-    <a:masterClrMapping/>
-  </p:clrMapOvr>
-</p:sld>
-</file>
-
 <file path=ppt/slides/slide15.xml><?xml version="1.0" encoding="utf-8"?>
 <p:sld xmlns:a="http://schemas.openxmlformats.org/drawingml/2006/main" xmlns:r="http://schemas.openxmlformats.org/officeDocument/2006/relationships" xmlns:p="http://schemas.openxmlformats.org/presentationml/2006/main">
   <p:cSld>
@@ -7523,6 +8150,89 @@
           <p:cNvPr id="2" name="Title 1">
             <a:extLst>
               <a:ext uri="{FF2B5EF4-FFF2-40B4-BE49-F238E27FC236}">
+                <a16:creationId xmlns:a16="http://schemas.microsoft.com/office/drawing/2014/main" id="{6A9F1D60-DA2E-604D-7CAA-0192699B1822}"/>
+              </a:ext>
+            </a:extLst>
+          </p:cNvPr>
+          <p:cNvSpPr>
+            <a:spLocks noGrp="1"/>
+          </p:cNvSpPr>
+          <p:nvPr>
+            <p:ph type="title"/>
+          </p:nvPr>
+        </p:nvSpPr>
+        <p:spPr/>
+        <p:txBody>
+          <a:bodyPr/>
+          <a:lstStyle/>
+          <a:p>
+            <a:r>
+              <a:rPr lang="en-US" dirty="0"/>
+              <a:t>Strike</a:t>
+            </a:r>
+          </a:p>
+        </p:txBody>
+      </p:sp>
+      <p:sp>
+        <p:nvSpPr>
+          <p:cNvPr id="3" name="Text Placeholder 2">
+            <a:extLst>
+              <a:ext uri="{FF2B5EF4-FFF2-40B4-BE49-F238E27FC236}">
+                <a16:creationId xmlns:a16="http://schemas.microsoft.com/office/drawing/2014/main" id="{7B6E1209-3924-70A2-E70F-E6EAFA6DE23E}"/>
+              </a:ext>
+            </a:extLst>
+          </p:cNvPr>
+          <p:cNvSpPr>
+            <a:spLocks noGrp="1"/>
+          </p:cNvSpPr>
+          <p:nvPr>
+            <p:ph type="body" idx="1"/>
+          </p:nvPr>
+        </p:nvSpPr>
+        <p:spPr/>
+        <p:txBody>
+          <a:bodyPr/>
+          <a:lstStyle/>
+          <a:p>
+            <a:endParaRPr lang="en-US"/>
+          </a:p>
+        </p:txBody>
+      </p:sp>
+    </p:spTree>
+    <p:extLst>
+      <p:ext uri="{BB962C8B-B14F-4D97-AF65-F5344CB8AC3E}">
+        <p14:creationId xmlns:p14="http://schemas.microsoft.com/office/powerpoint/2010/main" val="1046597095"/>
+      </p:ext>
+    </p:extLst>
+  </p:cSld>
+  <p:clrMapOvr>
+    <a:masterClrMapping/>
+  </p:clrMapOvr>
+</p:sld>
+</file>
+
+<file path=ppt/slides/slide16.xml><?xml version="1.0" encoding="utf-8"?>
+<p:sld xmlns:a="http://schemas.openxmlformats.org/drawingml/2006/main" xmlns:r="http://schemas.openxmlformats.org/officeDocument/2006/relationships" xmlns:p="http://schemas.openxmlformats.org/presentationml/2006/main">
+  <p:cSld>
+    <p:spTree>
+      <p:nvGrpSpPr>
+        <p:cNvPr id="1" name=""/>
+        <p:cNvGrpSpPr/>
+        <p:nvPr/>
+      </p:nvGrpSpPr>
+      <p:grpSpPr>
+        <a:xfrm>
+          <a:off x="0" y="0"/>
+          <a:ext cx="0" cy="0"/>
+          <a:chOff x="0" y="0"/>
+          <a:chExt cx="0" cy="0"/>
+        </a:xfrm>
+      </p:grpSpPr>
+      <p:sp>
+        <p:nvSpPr>
+          <p:cNvPr id="2" name="Title 1">
+            <a:extLst>
+              <a:ext uri="{FF2B5EF4-FFF2-40B4-BE49-F238E27FC236}">
                 <a16:creationId xmlns:a16="http://schemas.microsoft.com/office/drawing/2014/main" id="{AD5AF13D-D13D-34EA-D0F9-AB0DDB26902B}"/>
               </a:ext>
             </a:extLst>
@@ -7584,7 +8294,7 @@
 </p:sld>
 </file>
 
-<file path=ppt/slides/slide16.xml><?xml version="1.0" encoding="utf-8"?>
+<file path=ppt/slides/slide17.xml><?xml version="1.0" encoding="utf-8"?>
 <p:sld xmlns:a="http://schemas.openxmlformats.org/drawingml/2006/main" xmlns:r="http://schemas.openxmlformats.org/officeDocument/2006/relationships" xmlns:p="http://schemas.openxmlformats.org/presentationml/2006/main">
   <p:cSld>
     <p:spTree>
@@ -8242,7 +8952,7 @@
 </p:sld>
 </file>
 
-<file path=ppt/slides/slide17.xml><?xml version="1.0" encoding="utf-8"?>
+<file path=ppt/slides/slide18.xml><?xml version="1.0" encoding="utf-8"?>
 <p:sld xmlns:a="http://schemas.openxmlformats.org/drawingml/2006/main" xmlns:r="http://schemas.openxmlformats.org/officeDocument/2006/relationships" xmlns:p="http://schemas.openxmlformats.org/presentationml/2006/main">
   <p:cSld>
     <p:spTree>
@@ -8589,7 +9299,7 @@
 </p:sld>
 </file>
 
-<file path=ppt/slides/slide18.xml><?xml version="1.0" encoding="utf-8"?>
+<file path=ppt/slides/slide19.xml><?xml version="1.0" encoding="utf-8"?>
 <p:sld xmlns:a="http://schemas.openxmlformats.org/drawingml/2006/main" xmlns:r="http://schemas.openxmlformats.org/officeDocument/2006/relationships" xmlns:p="http://schemas.openxmlformats.org/presentationml/2006/main">
   <p:cSld>
     <p:spTree>
@@ -8942,7 +9652,136 @@
 </p:sld>
 </file>
 
-<file path=ppt/slides/slide19.xml><?xml version="1.0" encoding="utf-8"?>
+<file path=ppt/slides/slide2.xml><?xml version="1.0" encoding="utf-8"?>
+<p:sld xmlns:a="http://schemas.openxmlformats.org/drawingml/2006/main" xmlns:r="http://schemas.openxmlformats.org/officeDocument/2006/relationships" xmlns:p="http://schemas.openxmlformats.org/presentationml/2006/main">
+  <p:cSld>
+    <p:spTree>
+      <p:nvGrpSpPr>
+        <p:cNvPr id="1" name=""/>
+        <p:cNvGrpSpPr/>
+        <p:nvPr/>
+      </p:nvGrpSpPr>
+      <p:grpSpPr>
+        <a:xfrm>
+          <a:off x="0" y="0"/>
+          <a:ext cx="0" cy="0"/>
+          <a:chOff x="0" y="0"/>
+          <a:chExt cx="0" cy="0"/>
+        </a:xfrm>
+      </p:grpSpPr>
+      <p:sp>
+        <p:nvSpPr>
+          <p:cNvPr id="2" name="Title 1">
+            <a:extLst>
+              <a:ext uri="{FF2B5EF4-FFF2-40B4-BE49-F238E27FC236}">
+                <a16:creationId xmlns:a16="http://schemas.microsoft.com/office/drawing/2014/main" id="{DA99ED77-638B-5C15-5E2B-436A2F0CC396}"/>
+              </a:ext>
+            </a:extLst>
+          </p:cNvPr>
+          <p:cNvSpPr>
+            <a:spLocks noGrp="1"/>
+          </p:cNvSpPr>
+          <p:nvPr>
+            <p:ph type="title"/>
+          </p:nvPr>
+        </p:nvSpPr>
+        <p:spPr/>
+        <p:txBody>
+          <a:bodyPr/>
+          <a:lstStyle/>
+          <a:p>
+            <a:r>
+              <a:rPr lang="en-US" dirty="0"/>
+              <a:t>Resources</a:t>
+            </a:r>
+          </a:p>
+        </p:txBody>
+      </p:sp>
+      <p:pic>
+        <p:nvPicPr>
+          <p:cNvPr id="4" name="Picture 3" descr="A qr code with a few black squares&#10;&#10;Description automatically generated">
+            <a:extLst>
+              <a:ext uri="{FF2B5EF4-FFF2-40B4-BE49-F238E27FC236}">
+                <a16:creationId xmlns:a16="http://schemas.microsoft.com/office/drawing/2014/main" id="{8BD5BA69-943E-F8E1-75EA-C25CFE113974}"/>
+              </a:ext>
+            </a:extLst>
+          </p:cNvPr>
+          <p:cNvPicPr>
+            <a:picLocks noChangeAspect="1"/>
+          </p:cNvPicPr>
+          <p:nvPr/>
+        </p:nvPicPr>
+        <p:blipFill>
+          <a:blip r:embed="rId3">
+            <a:extLst>
+              <a:ext uri="{28A0092B-C50C-407E-A947-70E740481C1C}">
+                <a14:useLocalDpi xmlns:a14="http://schemas.microsoft.com/office/drawing/2010/main" val="0"/>
+              </a:ext>
+            </a:extLst>
+          </a:blip>
+          <a:stretch>
+            <a:fillRect/>
+          </a:stretch>
+        </p:blipFill>
+        <p:spPr>
+          <a:xfrm>
+            <a:off x="5334000" y="0"/>
+            <a:ext cx="6858000" cy="6858000"/>
+          </a:xfrm>
+          <a:prstGeom prst="rect">
+            <a:avLst/>
+          </a:prstGeom>
+        </p:spPr>
+      </p:pic>
+      <p:sp>
+        <p:nvSpPr>
+          <p:cNvPr id="5" name="TextBox 4">
+            <a:extLst>
+              <a:ext uri="{FF2B5EF4-FFF2-40B4-BE49-F238E27FC236}">
+                <a16:creationId xmlns:a16="http://schemas.microsoft.com/office/drawing/2014/main" id="{E12ABEB6-9C63-4632-91E3-176310023D93}"/>
+              </a:ext>
+            </a:extLst>
+          </p:cNvPr>
+          <p:cNvSpPr txBox="1"/>
+          <p:nvPr/>
+        </p:nvSpPr>
+        <p:spPr>
+          <a:xfrm>
+            <a:off x="0" y="6492875"/>
+            <a:ext cx="5341462" cy="307777"/>
+          </a:xfrm>
+          <a:prstGeom prst="rect">
+            <a:avLst/>
+          </a:prstGeom>
+          <a:noFill/>
+        </p:spPr>
+        <p:txBody>
+          <a:bodyPr wrap="none" rtlCol="0">
+            <a:spAutoFit/>
+          </a:bodyPr>
+          <a:lstStyle/>
+          <a:p>
+            <a:r>
+              <a:rPr lang="en-US" sz="1400" dirty="0"/>
+              <a:t>github.com/DancinFosse/Talks/blob/main/emotional_release.md</a:t>
+            </a:r>
+          </a:p>
+        </p:txBody>
+      </p:sp>
+    </p:spTree>
+    <p:extLst>
+      <p:ext uri="{BB962C8B-B14F-4D97-AF65-F5344CB8AC3E}">
+        <p14:creationId xmlns:p14="http://schemas.microsoft.com/office/powerpoint/2010/main" val="2575075203"/>
+      </p:ext>
+    </p:extLst>
+  </p:cSld>
+  <p:clrMapOvr>
+    <a:masterClrMapping/>
+  </p:clrMapOvr>
+</p:sld>
+</file>
+
+<file path=ppt/slides/slide20.xml><?xml version="1.0" encoding="utf-8"?>
 <p:sld xmlns:a="http://schemas.openxmlformats.org/drawingml/2006/main" xmlns:r="http://schemas.openxmlformats.org/officeDocument/2006/relationships" xmlns:p="http://schemas.openxmlformats.org/presentationml/2006/main">
   <p:cSld>
     <p:spTree>
@@ -9632,236 +10471,7 @@
 </p:sld>
 </file>
 
-<file path=ppt/slides/slide2.xml><?xml version="1.0" encoding="utf-8"?>
-<p:sld xmlns:a="http://schemas.openxmlformats.org/drawingml/2006/main" xmlns:r="http://schemas.openxmlformats.org/officeDocument/2006/relationships" xmlns:p="http://schemas.openxmlformats.org/presentationml/2006/main">
-  <p:cSld>
-    <p:spTree>
-      <p:nvGrpSpPr>
-        <p:cNvPr id="1" name=""/>
-        <p:cNvGrpSpPr/>
-        <p:nvPr/>
-      </p:nvGrpSpPr>
-      <p:grpSpPr>
-        <a:xfrm>
-          <a:off x="0" y="0"/>
-          <a:ext cx="0" cy="0"/>
-          <a:chOff x="0" y="0"/>
-          <a:chExt cx="0" cy="0"/>
-        </a:xfrm>
-      </p:grpSpPr>
-      <p:sp>
-        <p:nvSpPr>
-          <p:cNvPr id="6" name="Title 1">
-            <a:extLst>
-              <a:ext uri="{FF2B5EF4-FFF2-40B4-BE49-F238E27FC236}">
-                <a16:creationId xmlns:a16="http://schemas.microsoft.com/office/drawing/2014/main" id="{E3590CFD-7BB6-ADA0-AF7F-7A0248E4B08F}"/>
-              </a:ext>
-            </a:extLst>
-          </p:cNvPr>
-          <p:cNvSpPr txBox="1">
-            <a:spLocks/>
-          </p:cNvSpPr>
-          <p:nvPr/>
-        </p:nvSpPr>
-        <p:spPr>
-          <a:xfrm>
-            <a:off x="831850" y="3600133"/>
-            <a:ext cx="5421630" cy="962342"/>
-          </a:xfrm>
-          <a:prstGeom prst="rect">
-            <a:avLst/>
-          </a:prstGeom>
-        </p:spPr>
-        <p:txBody>
-          <a:bodyPr/>
-          <a:lstStyle>
-            <a:lvl1pPr algn="l" defTabSz="914400" rtl="0" eaLnBrk="1" latinLnBrk="0" hangingPunct="1">
-              <a:lnSpc>
-                <a:spcPct val="90000"/>
-              </a:lnSpc>
-              <a:spcBef>
-                <a:spcPct val="0"/>
-              </a:spcBef>
-              <a:buNone/>
-              <a:defRPr sz="4400" kern="1200">
-                <a:solidFill>
-                  <a:schemeClr val="tx1"/>
-                </a:solidFill>
-                <a:latin typeface="+mj-lt"/>
-                <a:ea typeface="+mj-ea"/>
-                <a:cs typeface="+mj-cs"/>
-              </a:defRPr>
-            </a:lvl1pPr>
-          </a:lstStyle>
-          <a:p>
-            <a:r>
-              <a:rPr lang="en-US" sz="6000" dirty="0"/>
-              <a:t>Setup</a:t>
-            </a:r>
-            <a:r>
-              <a:rPr lang="en-US" dirty="0"/>
-              <a:t>  </a:t>
-            </a:r>
-          </a:p>
-        </p:txBody>
-      </p:sp>
-      <p:pic>
-        <p:nvPicPr>
-          <p:cNvPr id="1026" name="Picture 2" descr="37 Bed Coloring Pages: Color Dreams for ...">
-            <a:extLst>
-              <a:ext uri="{FF2B5EF4-FFF2-40B4-BE49-F238E27FC236}">
-                <a16:creationId xmlns:a16="http://schemas.microsoft.com/office/drawing/2014/main" id="{3418551E-1740-5BBB-56D7-A7277E356813}"/>
-              </a:ext>
-            </a:extLst>
-          </p:cNvPr>
-          <p:cNvPicPr>
-            <a:picLocks noChangeAspect="1" noChangeArrowheads="1"/>
-          </p:cNvPicPr>
-          <p:nvPr/>
-        </p:nvPicPr>
-        <p:blipFill rotWithShape="1">
-          <a:blip r:embed="rId2">
-            <a:extLst>
-              <a:ext uri="{28A0092B-C50C-407E-A947-70E740481C1C}">
-                <a14:useLocalDpi xmlns:a14="http://schemas.microsoft.com/office/drawing/2010/main" val="0"/>
-              </a:ext>
-            </a:extLst>
-          </a:blip>
-          <a:srcRect t="14212" b="12254"/>
-          <a:stretch/>
-        </p:blipFill>
-        <p:spPr bwMode="auto">
-          <a:xfrm>
-            <a:off x="4151342" y="1181111"/>
-            <a:ext cx="6065520" cy="4460240"/>
-          </a:xfrm>
-          <a:prstGeom prst="rect">
-            <a:avLst/>
-          </a:prstGeom>
-          <a:noFill/>
-          <a:extLst>
-            <a:ext uri="{909E8E84-426E-40DD-AFC4-6F175D3DCCD1}">
-              <a14:hiddenFill xmlns:a14="http://schemas.microsoft.com/office/drawing/2010/main">
-                <a:solidFill>
-                  <a:srgbClr val="FFFFFF"/>
-                </a:solidFill>
-              </a14:hiddenFill>
-            </a:ext>
-          </a:extLst>
-        </p:spPr>
-      </p:pic>
-      <p:sp>
-        <p:nvSpPr>
-          <p:cNvPr id="7" name="TextBox 6">
-            <a:extLst>
-              <a:ext uri="{FF2B5EF4-FFF2-40B4-BE49-F238E27FC236}">
-                <a16:creationId xmlns:a16="http://schemas.microsoft.com/office/drawing/2014/main" id="{93E3E1FD-04B0-ACD1-3860-B5F6C99BBDD1}"/>
-              </a:ext>
-            </a:extLst>
-          </p:cNvPr>
-          <p:cNvSpPr txBox="1"/>
-          <p:nvPr/>
-        </p:nvSpPr>
-        <p:spPr>
-          <a:xfrm>
-            <a:off x="5591247" y="5257459"/>
-            <a:ext cx="1324465" cy="615553"/>
-          </a:xfrm>
-          <a:prstGeom prst="rect">
-            <a:avLst/>
-          </a:prstGeom>
-          <a:noFill/>
-        </p:spPr>
-        <p:txBody>
-          <a:bodyPr wrap="none" rtlCol="0">
-            <a:spAutoFit/>
-          </a:bodyPr>
-          <a:lstStyle/>
-          <a:p>
-            <a:pPr algn="ctr"/>
-            <a:r>
-              <a:rPr lang="en-US" b="1" dirty="0"/>
-              <a:t>Bed</a:t>
-            </a:r>
-          </a:p>
-          <a:p>
-            <a:pPr algn="ctr"/>
-            <a:r>
-              <a:rPr lang="en-US" sz="1600" dirty="0">
-                <a:solidFill>
-                  <a:schemeClr val="bg1">
-                    <a:lumMod val="50000"/>
-                  </a:schemeClr>
-                </a:solidFill>
-              </a:rPr>
-              <a:t>(or Yoga Mat)</a:t>
-            </a:r>
-          </a:p>
-        </p:txBody>
-      </p:sp>
-      <p:sp>
-        <p:nvSpPr>
-          <p:cNvPr id="8" name="TextBox 7">
-            <a:extLst>
-              <a:ext uri="{FF2B5EF4-FFF2-40B4-BE49-F238E27FC236}">
-                <a16:creationId xmlns:a16="http://schemas.microsoft.com/office/drawing/2014/main" id="{DB38C446-6558-C932-764F-2DE8C45D119E}"/>
-              </a:ext>
-            </a:extLst>
-          </p:cNvPr>
-          <p:cNvSpPr txBox="1"/>
-          <p:nvPr/>
-        </p:nvSpPr>
-        <p:spPr>
-          <a:xfrm>
-            <a:off x="8122881" y="5289229"/>
-            <a:ext cx="1818125" cy="615553"/>
-          </a:xfrm>
-          <a:prstGeom prst="rect">
-            <a:avLst/>
-          </a:prstGeom>
-          <a:noFill/>
-        </p:spPr>
-        <p:txBody>
-          <a:bodyPr wrap="none" rtlCol="0">
-            <a:spAutoFit/>
-          </a:bodyPr>
-          <a:lstStyle/>
-          <a:p>
-            <a:pPr algn="ctr"/>
-            <a:r>
-              <a:rPr lang="en-US" b="1" dirty="0"/>
-              <a:t>2 Pillows</a:t>
-            </a:r>
-          </a:p>
-          <a:p>
-            <a:pPr algn="ctr"/>
-            <a:r>
-              <a:rPr lang="en-US" sz="1600" dirty="0">
-                <a:solidFill>
-                  <a:schemeClr val="bg1">
-                    <a:lumMod val="50000"/>
-                  </a:schemeClr>
-                </a:solidFill>
-              </a:rPr>
-              <a:t>(with pillow cases)</a:t>
-            </a:r>
-          </a:p>
-        </p:txBody>
-      </p:sp>
-    </p:spTree>
-    <p:extLst>
-      <p:ext uri="{BB962C8B-B14F-4D97-AF65-F5344CB8AC3E}">
-        <p14:creationId xmlns:p14="http://schemas.microsoft.com/office/powerpoint/2010/main" val="1760866888"/>
-      </p:ext>
-    </p:extLst>
-  </p:cSld>
-  <p:clrMapOvr>
-    <a:masterClrMapping/>
-  </p:clrMapOvr>
-</p:sld>
-</file>
-
-<file path=ppt/slides/slide20.xml><?xml version="1.0" encoding="utf-8"?>
+<file path=ppt/slides/slide21.xml><?xml version="1.0" encoding="utf-8"?>
 <p:sld xmlns:a="http://schemas.openxmlformats.org/drawingml/2006/main" xmlns:r="http://schemas.openxmlformats.org/officeDocument/2006/relationships" xmlns:p="http://schemas.openxmlformats.org/presentationml/2006/main">
   <p:cSld>
     <p:spTree>
@@ -10167,7 +10777,7 @@
 </p:sld>
 </file>
 
-<file path=ppt/slides/slide21.xml><?xml version="1.0" encoding="utf-8"?>
+<file path=ppt/slides/slide22.xml><?xml version="1.0" encoding="utf-8"?>
 <p:sld xmlns:a="http://schemas.openxmlformats.org/drawingml/2006/main" xmlns:r="http://schemas.openxmlformats.org/officeDocument/2006/relationships" xmlns:p="http://schemas.openxmlformats.org/presentationml/2006/main">
   <p:cSld>
     <p:spTree>
@@ -10473,7 +11083,7 @@
 </p:sld>
 </file>
 
-<file path=ppt/slides/slide22.xml><?xml version="1.0" encoding="utf-8"?>
+<file path=ppt/slides/slide23.xml><?xml version="1.0" encoding="utf-8"?>
 <p:sld xmlns:a="http://schemas.openxmlformats.org/drawingml/2006/main" xmlns:r="http://schemas.openxmlformats.org/officeDocument/2006/relationships" xmlns:p="http://schemas.openxmlformats.org/presentationml/2006/main">
   <p:cSld>
     <p:spTree>
@@ -10945,7 +11555,7 @@
 </p:sld>
 </file>
 
-<file path=ppt/slides/slide23.xml><?xml version="1.0" encoding="utf-8"?>
+<file path=ppt/slides/slide24.xml><?xml version="1.0" encoding="utf-8"?>
 <p:sld xmlns:a="http://schemas.openxmlformats.org/drawingml/2006/main" xmlns:r="http://schemas.openxmlformats.org/officeDocument/2006/relationships" xmlns:p="http://schemas.openxmlformats.org/presentationml/2006/main">
   <p:cSld>
     <p:spTree>
@@ -11172,7 +11782,7 @@
 </p:sld>
 </file>
 
-<file path=ppt/slides/slide24.xml><?xml version="1.0" encoding="utf-8"?>
+<file path=ppt/slides/slide25.xml><?xml version="1.0" encoding="utf-8"?>
 <p:sld xmlns:a="http://schemas.openxmlformats.org/drawingml/2006/main" xmlns:r="http://schemas.openxmlformats.org/officeDocument/2006/relationships" xmlns:p="http://schemas.openxmlformats.org/presentationml/2006/main">
   <p:cSld>
     <p:spTree>
@@ -11232,6 +11842,171 @@
 </p:sld>
 </file>
 
+<file path=ppt/slides/slide26.xml><?xml version="1.0" encoding="utf-8"?>
+<p:sld xmlns:a="http://schemas.openxmlformats.org/drawingml/2006/main" xmlns:r="http://schemas.openxmlformats.org/officeDocument/2006/relationships" xmlns:p="http://schemas.openxmlformats.org/presentationml/2006/main">
+  <p:cSld>
+    <p:spTree>
+      <p:nvGrpSpPr>
+        <p:cNvPr id="1" name="">
+          <a:extLst>
+            <a:ext uri="{FF2B5EF4-FFF2-40B4-BE49-F238E27FC236}">
+              <a16:creationId xmlns:a16="http://schemas.microsoft.com/office/drawing/2014/main" id="{5D27C5F6-EFFF-5E08-CEA4-49A4E87821B5}"/>
+            </a:ext>
+          </a:extLst>
+        </p:cNvPr>
+        <p:cNvGrpSpPr/>
+        <p:nvPr/>
+      </p:nvGrpSpPr>
+      <p:grpSpPr>
+        <a:xfrm>
+          <a:off x="0" y="0"/>
+          <a:ext cx="0" cy="0"/>
+          <a:chOff x="0" y="0"/>
+          <a:chExt cx="0" cy="0"/>
+        </a:xfrm>
+      </p:grpSpPr>
+      <p:sp>
+        <p:nvSpPr>
+          <p:cNvPr id="2" name="Title 1">
+            <a:extLst>
+              <a:ext uri="{FF2B5EF4-FFF2-40B4-BE49-F238E27FC236}">
+                <a16:creationId xmlns:a16="http://schemas.microsoft.com/office/drawing/2014/main" id="{0C03556A-DA8F-392C-5E85-70D419F9E361}"/>
+              </a:ext>
+            </a:extLst>
+          </p:cNvPr>
+          <p:cNvSpPr>
+            <a:spLocks noGrp="1"/>
+          </p:cNvSpPr>
+          <p:nvPr>
+            <p:ph type="title"/>
+          </p:nvPr>
+        </p:nvSpPr>
+        <p:spPr/>
+        <p:txBody>
+          <a:bodyPr/>
+          <a:lstStyle/>
+          <a:p>
+            <a:r>
+              <a:rPr lang="en-US" dirty="0"/>
+              <a:t>Thank You</a:t>
+            </a:r>
+          </a:p>
+        </p:txBody>
+      </p:sp>
+      <p:pic>
+        <p:nvPicPr>
+          <p:cNvPr id="4" name="Picture 3" descr="A qr code with a few black squares&#10;&#10;Description automatically generated">
+            <a:extLst>
+              <a:ext uri="{FF2B5EF4-FFF2-40B4-BE49-F238E27FC236}">
+                <a16:creationId xmlns:a16="http://schemas.microsoft.com/office/drawing/2014/main" id="{C825C9B7-7A15-F2F2-F636-EBFDF09AA599}"/>
+              </a:ext>
+            </a:extLst>
+          </p:cNvPr>
+          <p:cNvPicPr>
+            <a:picLocks noChangeAspect="1"/>
+          </p:cNvPicPr>
+          <p:nvPr/>
+        </p:nvPicPr>
+        <p:blipFill>
+          <a:blip r:embed="rId3">
+            <a:extLst>
+              <a:ext uri="{28A0092B-C50C-407E-A947-70E740481C1C}">
+                <a14:useLocalDpi xmlns:a14="http://schemas.microsoft.com/office/drawing/2010/main" val="0"/>
+              </a:ext>
+            </a:extLst>
+          </a:blip>
+          <a:stretch>
+            <a:fillRect/>
+          </a:stretch>
+        </p:blipFill>
+        <p:spPr>
+          <a:xfrm>
+            <a:off x="5334000" y="0"/>
+            <a:ext cx="6858000" cy="6858000"/>
+          </a:xfrm>
+          <a:prstGeom prst="rect">
+            <a:avLst/>
+          </a:prstGeom>
+        </p:spPr>
+      </p:pic>
+      <p:sp>
+        <p:nvSpPr>
+          <p:cNvPr id="5" name="TextBox 4">
+            <a:extLst>
+              <a:ext uri="{FF2B5EF4-FFF2-40B4-BE49-F238E27FC236}">
+                <a16:creationId xmlns:a16="http://schemas.microsoft.com/office/drawing/2014/main" id="{CB60F230-012F-0F57-638B-BFE64A0B3007}"/>
+              </a:ext>
+            </a:extLst>
+          </p:cNvPr>
+          <p:cNvSpPr txBox="1"/>
+          <p:nvPr/>
+        </p:nvSpPr>
+        <p:spPr>
+          <a:xfrm>
+            <a:off x="0" y="6492875"/>
+            <a:ext cx="5341462" cy="307777"/>
+          </a:xfrm>
+          <a:prstGeom prst="rect">
+            <a:avLst/>
+          </a:prstGeom>
+          <a:noFill/>
+        </p:spPr>
+        <p:txBody>
+          <a:bodyPr wrap="none" rtlCol="0">
+            <a:spAutoFit/>
+          </a:bodyPr>
+          <a:lstStyle/>
+          <a:p>
+            <a:r>
+              <a:rPr lang="en-US" sz="1400" dirty="0"/>
+              <a:t>github.com/DancinFosse/Talks/blob/main/emotional_release.md</a:t>
+            </a:r>
+          </a:p>
+        </p:txBody>
+      </p:sp>
+      <p:pic>
+        <p:nvPicPr>
+          <p:cNvPr id="6" name="Picture 5">
+            <a:extLst>
+              <a:ext uri="{FF2B5EF4-FFF2-40B4-BE49-F238E27FC236}">
+                <a16:creationId xmlns:a16="http://schemas.microsoft.com/office/drawing/2014/main" id="{C6FD3B1E-DAED-B5ED-7E8A-1FCC755AB698}"/>
+              </a:ext>
+            </a:extLst>
+          </p:cNvPr>
+          <p:cNvPicPr>
+            <a:picLocks noChangeAspect="1"/>
+          </p:cNvPicPr>
+          <p:nvPr/>
+        </p:nvPicPr>
+        <p:blipFill>
+          <a:blip r:embed="rId4"/>
+          <a:stretch>
+            <a:fillRect/>
+          </a:stretch>
+        </p:blipFill>
+        <p:spPr>
+          <a:xfrm>
+            <a:off x="1248472" y="1690688"/>
+            <a:ext cx="3247328" cy="3715066"/>
+          </a:xfrm>
+          <a:prstGeom prst="rect">
+            <a:avLst/>
+          </a:prstGeom>
+        </p:spPr>
+      </p:pic>
+    </p:spTree>
+    <p:extLst>
+      <p:ext uri="{BB962C8B-B14F-4D97-AF65-F5344CB8AC3E}">
+        <p14:creationId xmlns:p14="http://schemas.microsoft.com/office/powerpoint/2010/main" val="504811462"/>
+      </p:ext>
+    </p:extLst>
+  </p:cSld>
+  <p:clrMapOvr>
+    <a:masterClrMapping/>
+  </p:clrMapOvr>
+</p:sld>
+</file>
+
 <file path=ppt/slides/slide3.xml><?xml version="1.0" encoding="utf-8"?>
 <p:sld xmlns:a="http://schemas.openxmlformats.org/drawingml/2006/main" xmlns:r="http://schemas.openxmlformats.org/officeDocument/2006/relationships" xmlns:p="http://schemas.openxmlformats.org/presentationml/2006/main">
   <p:cSld>
@@ -11251,6 +12026,235 @@
       </p:grpSpPr>
       <p:sp>
         <p:nvSpPr>
+          <p:cNvPr id="6" name="Title 1">
+            <a:extLst>
+              <a:ext uri="{FF2B5EF4-FFF2-40B4-BE49-F238E27FC236}">
+                <a16:creationId xmlns:a16="http://schemas.microsoft.com/office/drawing/2014/main" id="{E3590CFD-7BB6-ADA0-AF7F-7A0248E4B08F}"/>
+              </a:ext>
+            </a:extLst>
+          </p:cNvPr>
+          <p:cNvSpPr txBox="1">
+            <a:spLocks/>
+          </p:cNvSpPr>
+          <p:nvPr/>
+        </p:nvSpPr>
+        <p:spPr>
+          <a:xfrm>
+            <a:off x="831850" y="3600133"/>
+            <a:ext cx="5421630" cy="962342"/>
+          </a:xfrm>
+          <a:prstGeom prst="rect">
+            <a:avLst/>
+          </a:prstGeom>
+        </p:spPr>
+        <p:txBody>
+          <a:bodyPr/>
+          <a:lstStyle>
+            <a:lvl1pPr algn="l" defTabSz="914400" rtl="0" eaLnBrk="1" latinLnBrk="0" hangingPunct="1">
+              <a:lnSpc>
+                <a:spcPct val="90000"/>
+              </a:lnSpc>
+              <a:spcBef>
+                <a:spcPct val="0"/>
+              </a:spcBef>
+              <a:buNone/>
+              <a:defRPr sz="4400" kern="1200">
+                <a:solidFill>
+                  <a:schemeClr val="tx1"/>
+                </a:solidFill>
+                <a:latin typeface="+mj-lt"/>
+                <a:ea typeface="+mj-ea"/>
+                <a:cs typeface="+mj-cs"/>
+              </a:defRPr>
+            </a:lvl1pPr>
+          </a:lstStyle>
+          <a:p>
+            <a:r>
+              <a:rPr lang="en-US" sz="6000" dirty="0"/>
+              <a:t>Setup</a:t>
+            </a:r>
+            <a:r>
+              <a:rPr lang="en-US" dirty="0"/>
+              <a:t>  </a:t>
+            </a:r>
+          </a:p>
+        </p:txBody>
+      </p:sp>
+      <p:pic>
+        <p:nvPicPr>
+          <p:cNvPr id="1026" name="Picture 2" descr="37 Bed Coloring Pages: Color Dreams for ...">
+            <a:extLst>
+              <a:ext uri="{FF2B5EF4-FFF2-40B4-BE49-F238E27FC236}">
+                <a16:creationId xmlns:a16="http://schemas.microsoft.com/office/drawing/2014/main" id="{3418551E-1740-5BBB-56D7-A7277E356813}"/>
+              </a:ext>
+            </a:extLst>
+          </p:cNvPr>
+          <p:cNvPicPr>
+            <a:picLocks noChangeAspect="1" noChangeArrowheads="1"/>
+          </p:cNvPicPr>
+          <p:nvPr/>
+        </p:nvPicPr>
+        <p:blipFill rotWithShape="1">
+          <a:blip r:embed="rId2">
+            <a:extLst>
+              <a:ext uri="{28A0092B-C50C-407E-A947-70E740481C1C}">
+                <a14:useLocalDpi xmlns:a14="http://schemas.microsoft.com/office/drawing/2010/main" val="0"/>
+              </a:ext>
+            </a:extLst>
+          </a:blip>
+          <a:srcRect t="14212" b="12254"/>
+          <a:stretch/>
+        </p:blipFill>
+        <p:spPr bwMode="auto">
+          <a:xfrm>
+            <a:off x="4151342" y="1181111"/>
+            <a:ext cx="6065520" cy="4460240"/>
+          </a:xfrm>
+          <a:prstGeom prst="rect">
+            <a:avLst/>
+          </a:prstGeom>
+          <a:noFill/>
+          <a:extLst>
+            <a:ext uri="{909E8E84-426E-40DD-AFC4-6F175D3DCCD1}">
+              <a14:hiddenFill xmlns:a14="http://schemas.microsoft.com/office/drawing/2010/main">
+                <a:solidFill>
+                  <a:srgbClr val="FFFFFF"/>
+                </a:solidFill>
+              </a14:hiddenFill>
+            </a:ext>
+          </a:extLst>
+        </p:spPr>
+      </p:pic>
+      <p:sp>
+        <p:nvSpPr>
+          <p:cNvPr id="7" name="TextBox 6">
+            <a:extLst>
+              <a:ext uri="{FF2B5EF4-FFF2-40B4-BE49-F238E27FC236}">
+                <a16:creationId xmlns:a16="http://schemas.microsoft.com/office/drawing/2014/main" id="{93E3E1FD-04B0-ACD1-3860-B5F6C99BBDD1}"/>
+              </a:ext>
+            </a:extLst>
+          </p:cNvPr>
+          <p:cNvSpPr txBox="1"/>
+          <p:nvPr/>
+        </p:nvSpPr>
+        <p:spPr>
+          <a:xfrm>
+            <a:off x="5591247" y="5257459"/>
+            <a:ext cx="1324465" cy="615553"/>
+          </a:xfrm>
+          <a:prstGeom prst="rect">
+            <a:avLst/>
+          </a:prstGeom>
+          <a:noFill/>
+        </p:spPr>
+        <p:txBody>
+          <a:bodyPr wrap="none" rtlCol="0">
+            <a:spAutoFit/>
+          </a:bodyPr>
+          <a:lstStyle/>
+          <a:p>
+            <a:pPr algn="ctr"/>
+            <a:r>
+              <a:rPr lang="en-US" b="1" dirty="0"/>
+              <a:t>Bed</a:t>
+            </a:r>
+          </a:p>
+          <a:p>
+            <a:pPr algn="ctr"/>
+            <a:r>
+              <a:rPr lang="en-US" sz="1600" dirty="0">
+                <a:solidFill>
+                  <a:schemeClr val="bg1">
+                    <a:lumMod val="50000"/>
+                  </a:schemeClr>
+                </a:solidFill>
+              </a:rPr>
+              <a:t>(or Yoga Mat)</a:t>
+            </a:r>
+          </a:p>
+        </p:txBody>
+      </p:sp>
+      <p:sp>
+        <p:nvSpPr>
+          <p:cNvPr id="8" name="TextBox 7">
+            <a:extLst>
+              <a:ext uri="{FF2B5EF4-FFF2-40B4-BE49-F238E27FC236}">
+                <a16:creationId xmlns:a16="http://schemas.microsoft.com/office/drawing/2014/main" id="{DB38C446-6558-C932-764F-2DE8C45D119E}"/>
+              </a:ext>
+            </a:extLst>
+          </p:cNvPr>
+          <p:cNvSpPr txBox="1"/>
+          <p:nvPr/>
+        </p:nvSpPr>
+        <p:spPr>
+          <a:xfrm>
+            <a:off x="8122881" y="5289229"/>
+            <a:ext cx="1818125" cy="615553"/>
+          </a:xfrm>
+          <a:prstGeom prst="rect">
+            <a:avLst/>
+          </a:prstGeom>
+          <a:noFill/>
+        </p:spPr>
+        <p:txBody>
+          <a:bodyPr wrap="none" rtlCol="0">
+            <a:spAutoFit/>
+          </a:bodyPr>
+          <a:lstStyle/>
+          <a:p>
+            <a:pPr algn="ctr"/>
+            <a:r>
+              <a:rPr lang="en-US" b="1" dirty="0"/>
+              <a:t>2 Pillows</a:t>
+            </a:r>
+          </a:p>
+          <a:p>
+            <a:pPr algn="ctr"/>
+            <a:r>
+              <a:rPr lang="en-US" sz="1600" dirty="0">
+                <a:solidFill>
+                  <a:schemeClr val="bg1">
+                    <a:lumMod val="50000"/>
+                  </a:schemeClr>
+                </a:solidFill>
+              </a:rPr>
+              <a:t>(with pillow cases)</a:t>
+            </a:r>
+          </a:p>
+        </p:txBody>
+      </p:sp>
+    </p:spTree>
+    <p:extLst>
+      <p:ext uri="{BB962C8B-B14F-4D97-AF65-F5344CB8AC3E}">
+        <p14:creationId xmlns:p14="http://schemas.microsoft.com/office/powerpoint/2010/main" val="1760866888"/>
+      </p:ext>
+    </p:extLst>
+  </p:cSld>
+  <p:clrMapOvr>
+    <a:masterClrMapping/>
+  </p:clrMapOvr>
+</p:sld>
+</file>
+
+<file path=ppt/slides/slide4.xml><?xml version="1.0" encoding="utf-8"?>
+<p:sld xmlns:a="http://schemas.openxmlformats.org/drawingml/2006/main" xmlns:r="http://schemas.openxmlformats.org/officeDocument/2006/relationships" xmlns:p="http://schemas.openxmlformats.org/presentationml/2006/main">
+  <p:cSld>
+    <p:spTree>
+      <p:nvGrpSpPr>
+        <p:cNvPr id="1" name=""/>
+        <p:cNvGrpSpPr/>
+        <p:nvPr/>
+      </p:nvGrpSpPr>
+      <p:grpSpPr>
+        <a:xfrm>
+          <a:off x="0" y="0"/>
+          <a:ext cx="0" cy="0"/>
+          <a:chOff x="0" y="0"/>
+          <a:chExt cx="0" cy="0"/>
+        </a:xfrm>
+      </p:grpSpPr>
+      <p:sp>
+        <p:nvSpPr>
           <p:cNvPr id="2" name="Title 1">
             <a:extLst>
               <a:ext uri="{FF2B5EF4-FFF2-40B4-BE49-F238E27FC236}">
@@ -11298,7 +12302,7 @@
 </p:sld>
 </file>
 
-<file path=ppt/slides/slide4.xml><?xml version="1.0" encoding="utf-8"?>
+<file path=ppt/slides/slide5.xml><?xml version="1.0" encoding="utf-8"?>
 <p:sld xmlns:a="http://schemas.openxmlformats.org/drawingml/2006/main" xmlns:r="http://schemas.openxmlformats.org/officeDocument/2006/relationships" xmlns:p="http://schemas.openxmlformats.org/presentationml/2006/main" show="0">
   <p:cSld>
     <p:spTree>
@@ -11630,7 +12634,7 @@
 </p:sld>
 </file>
 
-<file path=ppt/slides/slide5.xml><?xml version="1.0" encoding="utf-8"?>
+<file path=ppt/slides/slide6.xml><?xml version="1.0" encoding="utf-8"?>
 <p:sld xmlns:a="http://schemas.openxmlformats.org/drawingml/2006/main" xmlns:r="http://schemas.openxmlformats.org/officeDocument/2006/relationships" xmlns:p="http://schemas.openxmlformats.org/presentationml/2006/main">
   <p:cSld>
     <p:spTree>
@@ -12135,7 +13139,7 @@
 </p:sld>
 </file>
 
-<file path=ppt/slides/slide6.xml><?xml version="1.0" encoding="utf-8"?>
+<file path=ppt/slides/slide7.xml><?xml version="1.0" encoding="utf-8"?>
 <p:sld xmlns:a="http://schemas.openxmlformats.org/drawingml/2006/main" xmlns:r="http://schemas.openxmlformats.org/officeDocument/2006/relationships" xmlns:p="http://schemas.openxmlformats.org/presentationml/2006/main">
   <p:cSld>
     <p:spTree>
@@ -12879,7 +13883,7 @@
 </p:sld>
 </file>
 
-<file path=ppt/slides/slide7.xml><?xml version="1.0" encoding="utf-8"?>
+<file path=ppt/slides/slide8.xml><?xml version="1.0" encoding="utf-8"?>
 <p:sld xmlns:a="http://schemas.openxmlformats.org/drawingml/2006/main" xmlns:r="http://schemas.openxmlformats.org/officeDocument/2006/relationships" xmlns:p="http://schemas.openxmlformats.org/presentationml/2006/main">
   <p:cSld>
     <p:spTree>
@@ -13382,7 +14386,7 @@
 </p:sld>
 </file>
 
-<file path=ppt/slides/slide8.xml><?xml version="1.0" encoding="utf-8"?>
+<file path=ppt/slides/slide9.xml><?xml version="1.0" encoding="utf-8"?>
 <p:sld xmlns:a="http://schemas.openxmlformats.org/drawingml/2006/main" xmlns:r="http://schemas.openxmlformats.org/officeDocument/2006/relationships" xmlns:p="http://schemas.openxmlformats.org/presentationml/2006/main">
   <p:cSld>
     <p:spTree>
@@ -14071,108 +15075,6 @@
       </p:par>
     </p:tnLst>
   </p:timing>
-</p:sld>
-</file>
-
-<file path=ppt/slides/slide9.xml><?xml version="1.0" encoding="utf-8"?>
-<p:sld xmlns:a="http://schemas.openxmlformats.org/drawingml/2006/main" xmlns:r="http://schemas.openxmlformats.org/officeDocument/2006/relationships" xmlns:p="http://schemas.openxmlformats.org/presentationml/2006/main">
-  <p:cSld>
-    <p:spTree>
-      <p:nvGrpSpPr>
-        <p:cNvPr id="1" name="">
-          <a:extLst>
-            <a:ext uri="{FF2B5EF4-FFF2-40B4-BE49-F238E27FC236}">
-              <a16:creationId xmlns:a16="http://schemas.microsoft.com/office/drawing/2014/main" id="{58A9E9C0-96C8-A5B2-825E-EDD408FAFD3A}"/>
-            </a:ext>
-          </a:extLst>
-        </p:cNvPr>
-        <p:cNvGrpSpPr/>
-        <p:nvPr/>
-      </p:nvGrpSpPr>
-      <p:grpSpPr>
-        <a:xfrm>
-          <a:off x="0" y="0"/>
-          <a:ext cx="0" cy="0"/>
-          <a:chOff x="0" y="0"/>
-          <a:chExt cx="0" cy="0"/>
-        </a:xfrm>
-      </p:grpSpPr>
-      <p:sp>
-        <p:nvSpPr>
-          <p:cNvPr id="2" name="Title 1">
-            <a:extLst>
-              <a:ext uri="{FF2B5EF4-FFF2-40B4-BE49-F238E27FC236}">
-                <a16:creationId xmlns:a16="http://schemas.microsoft.com/office/drawing/2014/main" id="{A36CDDDD-C72D-52D4-8927-B596F6FBA3BB}"/>
-              </a:ext>
-            </a:extLst>
-          </p:cNvPr>
-          <p:cNvSpPr>
-            <a:spLocks noGrp="1"/>
-          </p:cNvSpPr>
-          <p:nvPr>
-            <p:ph type="title"/>
-          </p:nvPr>
-        </p:nvSpPr>
-        <p:spPr/>
-        <p:txBody>
-          <a:bodyPr/>
-          <a:lstStyle/>
-          <a:p>
-            <a:r>
-              <a:rPr lang="en-US" dirty="0"/>
-              <a:t>Hand</a:t>
-            </a:r>
-            <a:r>
-              <a:rPr lang="en-US" baseline="0" dirty="0"/>
-              <a:t> Scream and Foot Stomping</a:t>
-            </a:r>
-            <a:endParaRPr lang="en-US" dirty="0"/>
-          </a:p>
-        </p:txBody>
-      </p:sp>
-      <p:sp>
-        <p:nvSpPr>
-          <p:cNvPr id="4" name="Text Placeholder 2">
-            <a:extLst>
-              <a:ext uri="{FF2B5EF4-FFF2-40B4-BE49-F238E27FC236}">
-                <a16:creationId xmlns:a16="http://schemas.microsoft.com/office/drawing/2014/main" id="{A47CE05C-6E15-40A3-1907-6FC46945B5F3}"/>
-              </a:ext>
-            </a:extLst>
-          </p:cNvPr>
-          <p:cNvSpPr>
-            <a:spLocks noGrp="1"/>
-          </p:cNvSpPr>
-          <p:nvPr>
-            <p:ph type="body" idx="1"/>
-          </p:nvPr>
-        </p:nvSpPr>
-        <p:spPr>
-          <a:xfrm>
-            <a:off x="844550" y="3429000"/>
-            <a:ext cx="10515600" cy="1500187"/>
-          </a:xfrm>
-        </p:spPr>
-        <p:txBody>
-          <a:bodyPr/>
-          <a:lstStyle/>
-          <a:p>
-            <a:r>
-              <a:rPr lang="en-US" dirty="0"/>
-              <a:t>Bonus Technique</a:t>
-            </a:r>
-          </a:p>
-        </p:txBody>
-      </p:sp>
-    </p:spTree>
-    <p:extLst>
-      <p:ext uri="{BB962C8B-B14F-4D97-AF65-F5344CB8AC3E}">
-        <p14:creationId xmlns:p14="http://schemas.microsoft.com/office/powerpoint/2010/main" val="4104803932"/>
-      </p:ext>
-    </p:extLst>
-  </p:cSld>
-  <p:clrMapOvr>
-    <a:masterClrMapping/>
-  </p:clrMapOvr>
 </p:sld>
 </file>
 
@@ -14489,4 +15391,319 @@
     </a:ext>
   </a:extLst>
 </a:theme>
+</file>
+
+<file path=ppt/theme/theme2.xml><?xml version="1.0" encoding="utf-8"?>
+<a:theme xmlns:a="http://schemas.openxmlformats.org/drawingml/2006/main" name="Office Theme">
+  <a:themeElements>
+    <a:clrScheme name="Office">
+      <a:dk1>
+        <a:sysClr val="windowText" lastClr="000000"/>
+      </a:dk1>
+      <a:lt1>
+        <a:sysClr val="window" lastClr="FFFFFF"/>
+      </a:lt1>
+      <a:dk2>
+        <a:srgbClr val="0E2841"/>
+      </a:dk2>
+      <a:lt2>
+        <a:srgbClr val="E8E8E8"/>
+      </a:lt2>
+      <a:accent1>
+        <a:srgbClr val="156082"/>
+      </a:accent1>
+      <a:accent2>
+        <a:srgbClr val="E97132"/>
+      </a:accent2>
+      <a:accent3>
+        <a:srgbClr val="196B24"/>
+      </a:accent3>
+      <a:accent4>
+        <a:srgbClr val="0F9ED5"/>
+      </a:accent4>
+      <a:accent5>
+        <a:srgbClr val="A02B93"/>
+      </a:accent5>
+      <a:accent6>
+        <a:srgbClr val="4EA72E"/>
+      </a:accent6>
+      <a:hlink>
+        <a:srgbClr val="467886"/>
+      </a:hlink>
+      <a:folHlink>
+        <a:srgbClr val="96607D"/>
+      </a:folHlink>
+    </a:clrScheme>
+    <a:fontScheme name="Office">
+      <a:majorFont>
+        <a:latin typeface="Aptos Display" panose="02110004020202020204"/>
+        <a:ea typeface=""/>
+        <a:cs typeface=""/>
+        <a:font script="Jpan" typeface="游ゴシック Light"/>
+        <a:font script="Hang" typeface="맑은 고딕"/>
+        <a:font script="Hans" typeface="等线 Light"/>
+        <a:font script="Hant" typeface="新細明體"/>
+        <a:font script="Arab" typeface="Times New Roman"/>
+        <a:font script="Hebr" typeface="Times New Roman"/>
+        <a:font script="Thai" typeface="Angsana New"/>
+        <a:font script="Ethi" typeface="Nyala"/>
+        <a:font script="Beng" typeface="Vrinda"/>
+        <a:font script="Gujr" typeface="Shruti"/>
+        <a:font script="Khmr" typeface="MoolBoran"/>
+        <a:font script="Knda" typeface="Tunga"/>
+        <a:font script="Guru" typeface="Raavi"/>
+        <a:font script="Cans" typeface="Euphemia"/>
+        <a:font script="Cher" typeface="Plantagenet Cherokee"/>
+        <a:font script="Yiii" typeface="Microsoft Yi Baiti"/>
+        <a:font script="Tibt" typeface="Microsoft Himalaya"/>
+        <a:font script="Thaa" typeface="MV Boli"/>
+        <a:font script="Deva" typeface="Mangal"/>
+        <a:font script="Telu" typeface="Gautami"/>
+        <a:font script="Taml" typeface="Latha"/>
+        <a:font script="Syrc" typeface="Estrangelo Edessa"/>
+        <a:font script="Orya" typeface="Kalinga"/>
+        <a:font script="Mlym" typeface="Kartika"/>
+        <a:font script="Laoo" typeface="DokChampa"/>
+        <a:font script="Sinh" typeface="Iskoola Pota"/>
+        <a:font script="Mong" typeface="Mongolian Baiti"/>
+        <a:font script="Viet" typeface="Times New Roman"/>
+        <a:font script="Uigh" typeface="Microsoft Uighur"/>
+        <a:font script="Geor" typeface="Sylfaen"/>
+        <a:font script="Armn" typeface="Arial"/>
+        <a:font script="Bugi" typeface="Leelawadee UI"/>
+        <a:font script="Bopo" typeface="Microsoft JhengHei"/>
+        <a:font script="Java" typeface="Javanese Text"/>
+        <a:font script="Lisu" typeface="Segoe UI"/>
+        <a:font script="Mymr" typeface="Myanmar Text"/>
+        <a:font script="Nkoo" typeface="Ebrima"/>
+        <a:font script="Olck" typeface="Nirmala UI"/>
+        <a:font script="Osma" typeface="Ebrima"/>
+        <a:font script="Phag" typeface="Phagspa"/>
+        <a:font script="Syrn" typeface="Estrangelo Edessa"/>
+        <a:font script="Syrj" typeface="Estrangelo Edessa"/>
+        <a:font script="Syre" typeface="Estrangelo Edessa"/>
+        <a:font script="Sora" typeface="Nirmala UI"/>
+        <a:font script="Tale" typeface="Microsoft Tai Le"/>
+        <a:font script="Talu" typeface="Microsoft New Tai Lue"/>
+        <a:font script="Tfng" typeface="Ebrima"/>
+      </a:majorFont>
+      <a:minorFont>
+        <a:latin typeface="Aptos" panose="02110004020202020204"/>
+        <a:ea typeface=""/>
+        <a:cs typeface=""/>
+        <a:font script="Jpan" typeface="游ゴシック"/>
+        <a:font script="Hang" typeface="맑은 고딕"/>
+        <a:font script="Hans" typeface="等线"/>
+        <a:font script="Hant" typeface="新細明體"/>
+        <a:font script="Arab" typeface="Arial"/>
+        <a:font script="Hebr" typeface="Arial"/>
+        <a:font script="Thai" typeface="Cordia New"/>
+        <a:font script="Ethi" typeface="Nyala"/>
+        <a:font script="Beng" typeface="Vrinda"/>
+        <a:font script="Gujr" typeface="Shruti"/>
+        <a:font script="Khmr" typeface="DaunPenh"/>
+        <a:font script="Knda" typeface="Tunga"/>
+        <a:font script="Guru" typeface="Raavi"/>
+        <a:font script="Cans" typeface="Euphemia"/>
+        <a:font script="Cher" typeface="Plantagenet Cherokee"/>
+        <a:font script="Yiii" typeface="Microsoft Yi Baiti"/>
+        <a:font script="Tibt" typeface="Microsoft Himalaya"/>
+        <a:font script="Thaa" typeface="MV Boli"/>
+        <a:font script="Deva" typeface="Mangal"/>
+        <a:font script="Telu" typeface="Gautami"/>
+        <a:font script="Taml" typeface="Latha"/>
+        <a:font script="Syrc" typeface="Estrangelo Edessa"/>
+        <a:font script="Orya" typeface="Kalinga"/>
+        <a:font script="Mlym" typeface="Kartika"/>
+        <a:font script="Laoo" typeface="DokChampa"/>
+        <a:font script="Sinh" typeface="Iskoola Pota"/>
+        <a:font script="Mong" typeface="Mongolian Baiti"/>
+        <a:font script="Viet" typeface="Arial"/>
+        <a:font script="Uigh" typeface="Microsoft Uighur"/>
+        <a:font script="Geor" typeface="Sylfaen"/>
+        <a:font script="Armn" typeface="Arial"/>
+        <a:font script="Bugi" typeface="Leelawadee UI"/>
+        <a:font script="Bopo" typeface="Microsoft JhengHei"/>
+        <a:font script="Java" typeface="Javanese Text"/>
+        <a:font script="Lisu" typeface="Segoe UI"/>
+        <a:font script="Mymr" typeface="Myanmar Text"/>
+        <a:font script="Nkoo" typeface="Ebrima"/>
+        <a:font script="Olck" typeface="Nirmala UI"/>
+        <a:font script="Osma" typeface="Ebrima"/>
+        <a:font script="Phag" typeface="Phagspa"/>
+        <a:font script="Syrn" typeface="Estrangelo Edessa"/>
+        <a:font script="Syrj" typeface="Estrangelo Edessa"/>
+        <a:font script="Syre" typeface="Estrangelo Edessa"/>
+        <a:font script="Sora" typeface="Nirmala UI"/>
+        <a:font script="Tale" typeface="Microsoft Tai Le"/>
+        <a:font script="Talu" typeface="Microsoft New Tai Lue"/>
+        <a:font script="Tfng" typeface="Ebrima"/>
+      </a:minorFont>
+    </a:fontScheme>
+    <a:fmtScheme name="Office">
+      <a:fillStyleLst>
+        <a:solidFill>
+          <a:schemeClr val="phClr"/>
+        </a:solidFill>
+        <a:gradFill rotWithShape="1">
+          <a:gsLst>
+            <a:gs pos="0">
+              <a:schemeClr val="phClr">
+                <a:lumMod val="110000"/>
+                <a:satMod val="105000"/>
+                <a:tint val="67000"/>
+              </a:schemeClr>
+            </a:gs>
+            <a:gs pos="50000">
+              <a:schemeClr val="phClr">
+                <a:lumMod val="105000"/>
+                <a:satMod val="103000"/>
+                <a:tint val="73000"/>
+              </a:schemeClr>
+            </a:gs>
+            <a:gs pos="100000">
+              <a:schemeClr val="phClr">
+                <a:lumMod val="105000"/>
+                <a:satMod val="109000"/>
+                <a:tint val="81000"/>
+              </a:schemeClr>
+            </a:gs>
+          </a:gsLst>
+          <a:lin ang="5400000" scaled="0"/>
+        </a:gradFill>
+        <a:gradFill rotWithShape="1">
+          <a:gsLst>
+            <a:gs pos="0">
+              <a:schemeClr val="phClr">
+                <a:satMod val="103000"/>
+                <a:lumMod val="102000"/>
+                <a:tint val="94000"/>
+              </a:schemeClr>
+            </a:gs>
+            <a:gs pos="50000">
+              <a:schemeClr val="phClr">
+                <a:satMod val="110000"/>
+                <a:lumMod val="100000"/>
+                <a:shade val="100000"/>
+              </a:schemeClr>
+            </a:gs>
+            <a:gs pos="100000">
+              <a:schemeClr val="phClr">
+                <a:lumMod val="99000"/>
+                <a:satMod val="120000"/>
+                <a:shade val="78000"/>
+              </a:schemeClr>
+            </a:gs>
+          </a:gsLst>
+          <a:lin ang="5400000" scaled="0"/>
+        </a:gradFill>
+      </a:fillStyleLst>
+      <a:lnStyleLst>
+        <a:ln w="12700" cap="flat" cmpd="sng" algn="ctr">
+          <a:solidFill>
+            <a:schemeClr val="phClr"/>
+          </a:solidFill>
+          <a:prstDash val="solid"/>
+          <a:miter lim="800000"/>
+        </a:ln>
+        <a:ln w="19050" cap="flat" cmpd="sng" algn="ctr">
+          <a:solidFill>
+            <a:schemeClr val="phClr"/>
+          </a:solidFill>
+          <a:prstDash val="solid"/>
+          <a:miter lim="800000"/>
+        </a:ln>
+        <a:ln w="25400" cap="flat" cmpd="sng" algn="ctr">
+          <a:solidFill>
+            <a:schemeClr val="phClr"/>
+          </a:solidFill>
+          <a:prstDash val="solid"/>
+          <a:miter lim="800000"/>
+        </a:ln>
+      </a:lnStyleLst>
+      <a:effectStyleLst>
+        <a:effectStyle>
+          <a:effectLst/>
+        </a:effectStyle>
+        <a:effectStyle>
+          <a:effectLst/>
+        </a:effectStyle>
+        <a:effectStyle>
+          <a:effectLst>
+            <a:outerShdw blurRad="57150" dist="19050" dir="5400000" algn="ctr" rotWithShape="0">
+              <a:srgbClr val="000000">
+                <a:alpha val="63000"/>
+              </a:srgbClr>
+            </a:outerShdw>
+          </a:effectLst>
+        </a:effectStyle>
+      </a:effectStyleLst>
+      <a:bgFillStyleLst>
+        <a:solidFill>
+          <a:schemeClr val="phClr"/>
+        </a:solidFill>
+        <a:solidFill>
+          <a:schemeClr val="phClr">
+            <a:tint val="95000"/>
+            <a:satMod val="170000"/>
+          </a:schemeClr>
+        </a:solidFill>
+        <a:gradFill rotWithShape="1">
+          <a:gsLst>
+            <a:gs pos="0">
+              <a:schemeClr val="phClr">
+                <a:tint val="93000"/>
+                <a:satMod val="150000"/>
+                <a:shade val="98000"/>
+                <a:lumMod val="102000"/>
+              </a:schemeClr>
+            </a:gs>
+            <a:gs pos="50000">
+              <a:schemeClr val="phClr">
+                <a:tint val="98000"/>
+                <a:satMod val="130000"/>
+                <a:shade val="90000"/>
+                <a:lumMod val="103000"/>
+              </a:schemeClr>
+            </a:gs>
+            <a:gs pos="100000">
+              <a:schemeClr val="phClr">
+                <a:shade val="63000"/>
+                <a:satMod val="120000"/>
+              </a:schemeClr>
+            </a:gs>
+          </a:gsLst>
+          <a:lin ang="5400000" scaled="0"/>
+        </a:gradFill>
+      </a:bgFillStyleLst>
+    </a:fmtScheme>
+  </a:themeElements>
+  <a:objectDefaults>
+    <a:lnDef>
+      <a:spPr/>
+      <a:bodyPr/>
+      <a:lstStyle/>
+      <a:style>
+        <a:lnRef idx="2">
+          <a:schemeClr val="accent1"/>
+        </a:lnRef>
+        <a:fillRef idx="0">
+          <a:schemeClr val="accent1"/>
+        </a:fillRef>
+        <a:effectRef idx="1">
+          <a:schemeClr val="accent1"/>
+        </a:effectRef>
+        <a:fontRef idx="minor">
+          <a:schemeClr val="tx1"/>
+        </a:fontRef>
+      </a:style>
+    </a:lnDef>
+  </a:objectDefaults>
+  <a:extraClrSchemeLst/>
+  <a:extLst>
+    <a:ext uri="{05A4C25C-085E-4340-85A3-A5531E510DB2}">
+      <thm15:themeFamily xmlns:thm15="http://schemas.microsoft.com/office/thememl/2012/main" name="Office Theme" id="{2E142A2C-CD16-42D6-873A-C26D2A0506FA}" vid="{1BDDFF52-6CD6-40A5-AB3C-68EB2F1E4D0A}"/>
+    </a:ext>
+  </a:extLst>
+</a:theme>
 </file>